--- a/Japanese_Guide_for_Tamil_Speakers_v4.pptx
+++ b/Japanese_Guide_for_Tamil_Speakers_v4.pptx
@@ -6,8 +6,8 @@
   </p:sldMasterIdLst>
   <p:sldIdLst>
     <p:sldId id="256" r:id="rId2"/>
-    <p:sldId id="258" r:id="rId3"/>
-    <p:sldId id="257" r:id="rId4"/>
+    <p:sldId id="257" r:id="rId3"/>
+    <p:sldId id="258" r:id="rId4"/>
     <p:sldId id="259" r:id="rId5"/>
     <p:sldId id="260" r:id="rId6"/>
     <p:sldId id="261" r:id="rId7"/>
@@ -3187,7 +3187,7 @@
         </p:nvSpPr>
         <p:spPr>
           <a:xfrm>
-            <a:off x="548640" y="0"/>
+            <a:off x="457200" y="457200"/>
             <a:ext cx="10058400" cy="457200"/>
           </a:xfrm>
           <a:prstGeom prst="rect">
@@ -3223,17 +3223,11 @@
           <p:cNvGraphicFramePr>
             <a:graphicFrameLocks noGrp="1"/>
           </p:cNvGraphicFramePr>
-          <p:nvPr>
-            <p:extLst>
-              <p:ext uri="{D42A27DB-BD31-4B8C-83A1-F6EECF244321}">
-                <p14:modId xmlns:p14="http://schemas.microsoft.com/office/powerpoint/2010/main" val="951671769"/>
-              </p:ext>
-            </p:extLst>
-          </p:nvPr>
+          <p:nvPr/>
         </p:nvGraphicFramePr>
         <p:xfrm>
-          <a:off x="211755" y="553453"/>
-          <a:ext cx="11559940" cy="5547360"/>
+          <a:off x="457200" y="1097280"/>
+          <a:ext cx="10058400" cy="5974080"/>
         </p:xfrm>
         <a:graphic>
           <a:graphicData uri="http://schemas.openxmlformats.org/drawingml/2006/table">
@@ -3242,70 +3236,70 @@
                 <a:tableStyleId>{5C22544A-7EE6-4342-B048-85BDC9FD1C3A}</a:tableStyleId>
               </a:tblPr>
               <a:tblGrid>
-                <a:gridCol w="1155994">
+                <a:gridCol w="1005840">
                   <a:extLst>
                     <a:ext uri="{9D8B030D-6E8A-4147-A177-3AD203B41FA5}">
                       <a16:colId xmlns:a16="http://schemas.microsoft.com/office/drawing/2014/main" val="20000"/>
                     </a:ext>
                   </a:extLst>
                 </a:gridCol>
-                <a:gridCol w="1155994">
+                <a:gridCol w="1005840">
                   <a:extLst>
                     <a:ext uri="{9D8B030D-6E8A-4147-A177-3AD203B41FA5}">
                       <a16:colId xmlns:a16="http://schemas.microsoft.com/office/drawing/2014/main" val="20001"/>
                     </a:ext>
                   </a:extLst>
                 </a:gridCol>
-                <a:gridCol w="1155994">
+                <a:gridCol w="1005840">
                   <a:extLst>
                     <a:ext uri="{9D8B030D-6E8A-4147-A177-3AD203B41FA5}">
                       <a16:colId xmlns:a16="http://schemas.microsoft.com/office/drawing/2014/main" val="20002"/>
                     </a:ext>
                   </a:extLst>
                 </a:gridCol>
-                <a:gridCol w="1155994">
+                <a:gridCol w="1005840">
                   <a:extLst>
                     <a:ext uri="{9D8B030D-6E8A-4147-A177-3AD203B41FA5}">
                       <a16:colId xmlns:a16="http://schemas.microsoft.com/office/drawing/2014/main" val="20003"/>
                     </a:ext>
                   </a:extLst>
                 </a:gridCol>
-                <a:gridCol w="1155994">
+                <a:gridCol w="1005840">
                   <a:extLst>
                     <a:ext uri="{9D8B030D-6E8A-4147-A177-3AD203B41FA5}">
                       <a16:colId xmlns:a16="http://schemas.microsoft.com/office/drawing/2014/main" val="20004"/>
                     </a:ext>
                   </a:extLst>
                 </a:gridCol>
-                <a:gridCol w="1155994">
+                <a:gridCol w="1005840">
                   <a:extLst>
                     <a:ext uri="{9D8B030D-6E8A-4147-A177-3AD203B41FA5}">
                       <a16:colId xmlns:a16="http://schemas.microsoft.com/office/drawing/2014/main" val="20005"/>
                     </a:ext>
                   </a:extLst>
                 </a:gridCol>
-                <a:gridCol w="1155994">
+                <a:gridCol w="1005840">
                   <a:extLst>
                     <a:ext uri="{9D8B030D-6E8A-4147-A177-3AD203B41FA5}">
                       <a16:colId xmlns:a16="http://schemas.microsoft.com/office/drawing/2014/main" val="20006"/>
                     </a:ext>
                   </a:extLst>
                 </a:gridCol>
-                <a:gridCol w="1155994">
+                <a:gridCol w="1005840">
                   <a:extLst>
                     <a:ext uri="{9D8B030D-6E8A-4147-A177-3AD203B41FA5}">
                       <a16:colId xmlns:a16="http://schemas.microsoft.com/office/drawing/2014/main" val="20007"/>
                     </a:ext>
                   </a:extLst>
                 </a:gridCol>
-                <a:gridCol w="1155994">
+                <a:gridCol w="1005840">
                   <a:extLst>
                     <a:ext uri="{9D8B030D-6E8A-4147-A177-3AD203B41FA5}">
                       <a16:colId xmlns:a16="http://schemas.microsoft.com/office/drawing/2014/main" val="20008"/>
                     </a:ext>
                   </a:extLst>
                 </a:gridCol>
-                <a:gridCol w="1155994">
+                <a:gridCol w="1005840">
                   <a:extLst>
                     <a:ext uri="{9D8B030D-6E8A-4147-A177-3AD203B41FA5}">
                       <a16:colId xmlns:a16="http://schemas.microsoft.com/office/drawing/2014/main" val="20009"/>
@@ -3367,19 +3361,19 @@
                     <a:bodyPr/>
                     <a:lstStyle/>
                     <a:p>
-                      <a:endParaRPr dirty="0"/>
-                    </a:p>
-                    <a:p>
-                      <a:pPr algn="ctr"/>
-                      <a:r>
-                        <a:rPr sz="3200" b="1" dirty="0"/>
+                      <a:endParaRPr/>
+                    </a:p>
+                    <a:p>
+                      <a:pPr algn="ctr"/>
+                      <a:r>
+                        <a:rPr sz="3200" b="1"/>
                         <a:t>さ</a:t>
                       </a:r>
                     </a:p>
                     <a:p>
                       <a:pPr algn="ctr"/>
                       <a:r>
-                        <a:rPr sz="1400" b="0" dirty="0"/>
+                        <a:rPr sz="1400" b="0"/>
                         <a:t>Sa  |  ச</a:t>
                       </a:r>
                     </a:p>
@@ -4196,26 +4190,21 @@
                     <a:bodyPr/>
                     <a:lstStyle/>
                     <a:p>
-                      <a:pPr algn="ctr"/>
-                      <a:br>
-                        <a:rPr lang="en-IN" sz="1800" b="0" dirty="0"/>
-                      </a:br>
-                      <a:r>
-                        <a:rPr sz="3200" b="1" dirty="0"/>
+                      <a:endParaRPr/>
+                    </a:p>
+                    <a:p>
+                      <a:pPr algn="ctr"/>
+                      <a:r>
+                        <a:rPr sz="3200" b="1"/>
                         <a:t>れ</a:t>
                       </a:r>
                     </a:p>
                     <a:p>
                       <a:pPr algn="ctr"/>
                       <a:r>
-                        <a:rPr sz="1400" b="0" dirty="0"/>
-                        <a:t>Re  |  </a:t>
-                      </a:r>
-                      <a:r>
-                        <a:rPr sz="1400" b="0" dirty="0" err="1"/>
-                        <a:t>றே</a:t>
-                      </a:r>
-                      <a:endParaRPr sz="1400" b="0" dirty="0"/>
+                        <a:rPr sz="1400" b="0"/>
+                        <a:t>Re  |  றே</a:t>
+                      </a:r>
                     </a:p>
                   </a:txBody>
                   <a:tcPr/>
@@ -4434,26 +4423,21 @@
                     <a:bodyPr/>
                     <a:lstStyle/>
                     <a:p>
-                      <a:endParaRPr dirty="0"/>
-                    </a:p>
-                    <a:p>
-                      <a:pPr algn="ctr"/>
-                      <a:r>
-                        <a:rPr sz="3200" b="1" dirty="0"/>
+                      <a:endParaRPr/>
+                    </a:p>
+                    <a:p>
+                      <a:pPr algn="ctr"/>
+                      <a:r>
+                        <a:rPr sz="3200" b="1"/>
                         <a:t>ろ</a:t>
                       </a:r>
                     </a:p>
                     <a:p>
                       <a:pPr algn="ctr"/>
                       <a:r>
-                        <a:rPr sz="1400" b="0" dirty="0"/>
-                        <a:t>Ro  |  </a:t>
-                      </a:r>
-                      <a:r>
-                        <a:rPr sz="1400" b="0" dirty="0" err="1"/>
-                        <a:t>றொ</a:t>
-                      </a:r>
-                      <a:endParaRPr sz="1400" b="0" dirty="0"/>
+                        <a:rPr sz="1400" b="0"/>
+                        <a:t>Ro  |  றொ</a:t>
+                      </a:r>
                     </a:p>
                   </a:txBody>
                   <a:tcPr/>
@@ -4463,26 +4447,21 @@
                     <a:bodyPr/>
                     <a:lstStyle/>
                     <a:p>
-                      <a:endParaRPr dirty="0"/>
-                    </a:p>
-                    <a:p>
-                      <a:pPr algn="ctr"/>
-                      <a:r>
-                        <a:rPr sz="3200" b="1" dirty="0"/>
+                      <a:endParaRPr/>
+                    </a:p>
+                    <a:p>
+                      <a:pPr algn="ctr"/>
+                      <a:r>
+                        <a:rPr sz="3200" b="1"/>
                         <a:t>を</a:t>
                       </a:r>
                     </a:p>
                     <a:p>
                       <a:pPr algn="ctr"/>
                       <a:r>
-                        <a:rPr sz="1400" b="0" dirty="0"/>
-                        <a:t>Wo  |  </a:t>
-                      </a:r>
-                      <a:r>
-                        <a:rPr sz="1400" b="0" dirty="0" err="1"/>
-                        <a:t>வொ</a:t>
-                      </a:r>
-                      <a:endParaRPr sz="1400" b="0" dirty="0"/>
+                        <a:rPr sz="1400" b="0"/>
+                        <a:t>Wo  |  வொ</a:t>
+                      </a:r>
                     </a:p>
                   </a:txBody>
                   <a:tcPr/>
@@ -4505,8 +4484,8 @@
         </p:nvSpPr>
         <p:spPr>
           <a:xfrm>
-            <a:off x="10698712" y="3963996"/>
-            <a:ext cx="1048685" cy="830997"/>
+            <a:off x="10058400" y="5029200"/>
+            <a:ext cx="1097280" cy="914400"/>
           </a:xfrm>
           <a:prstGeom prst="rect">
             <a:avLst/>
@@ -4521,35 +4500,14 @@
           <a:p>
             <a:pPr algn="ctr"/>
             <a:r>
-              <a:rPr sz="2400" b="1" dirty="0">
+              <a:rPr sz="2400" b="0">
                 <a:solidFill>
                   <a:srgbClr val="000000"/>
                 </a:solidFill>
               </a:rPr>
-              <a:t>ん</a:t>
-            </a:r>
-            <a:r>
-              <a:rPr sz="2400" b="0" dirty="0">
-                <a:solidFill>
-                  <a:srgbClr val="000000"/>
-                </a:solidFill>
-              </a:rPr>
-              <a:t>
-N | </a:t>
-            </a:r>
-            <a:r>
-              <a:rPr sz="2400" b="0" dirty="0" err="1">
-                <a:solidFill>
-                  <a:srgbClr val="000000"/>
-                </a:solidFill>
-              </a:rPr>
-              <a:t>ன்</a:t>
-            </a:r>
-            <a:endParaRPr sz="2400" b="0" dirty="0">
-              <a:solidFill>
-                <a:srgbClr val="000000"/>
-              </a:solidFill>
-            </a:endParaRPr>
+              <a:t>ん
+N | ன்</a:t>
+            </a:r>
           </a:p>
         </p:txBody>
       </p:sp>
@@ -5518,8 +5476,8 @@
         </p:nvSpPr>
         <p:spPr>
           <a:xfrm>
-            <a:off x="673768" y="-81814"/>
-            <a:ext cx="5029200" cy="457200"/>
+            <a:off x="457200" y="457200"/>
+            <a:ext cx="10058400" cy="457200"/>
           </a:xfrm>
           <a:prstGeom prst="rect">
             <a:avLst/>
@@ -5535,7 +5493,15 @@
             <a:pPr algn="ctr"/>
             <a:r>
               <a:rPr sz="3800" b="1" dirty="0"/>
-              <a:t>Hiragana Dakuten/Handakuten</a:t>
+              <a:t>Katakana (</a:t>
+            </a:r>
+            <a:r>
+              <a:rPr sz="3800" b="1" dirty="0" err="1"/>
+              <a:t>カタカナ</a:t>
+            </a:r>
+            <a:r>
+              <a:rPr sz="3800" b="1" dirty="0"/>
+              <a:t>) Overview</a:t>
             </a:r>
           </a:p>
         </p:txBody>
@@ -5546,17 +5512,11 @@
           <p:cNvGraphicFramePr>
             <a:graphicFrameLocks noGrp="1"/>
           </p:cNvGraphicFramePr>
-          <p:nvPr>
-            <p:extLst>
-              <p:ext uri="{D42A27DB-BD31-4B8C-83A1-F6EECF244321}">
-                <p14:modId xmlns:p14="http://schemas.microsoft.com/office/powerpoint/2010/main" val="4186596119"/>
-              </p:ext>
-            </p:extLst>
-          </p:nvPr>
+          <p:nvPr/>
         </p:nvGraphicFramePr>
         <p:xfrm>
-          <a:off x="335280" y="762000"/>
-          <a:ext cx="11521440" cy="5334000"/>
+          <a:off x="457200" y="1097280"/>
+          <a:ext cx="10058400" cy="5974080"/>
         </p:xfrm>
         <a:graphic>
           <a:graphicData uri="http://schemas.openxmlformats.org/drawingml/2006/table">
@@ -5565,38 +5525,73 @@
                 <a:tableStyleId>{5C22544A-7EE6-4342-B048-85BDC9FD1C3A}</a:tableStyleId>
               </a:tblPr>
               <a:tblGrid>
-                <a:gridCol w="2304288">
+                <a:gridCol w="1005840">
                   <a:extLst>
                     <a:ext uri="{9D8B030D-6E8A-4147-A177-3AD203B41FA5}">
                       <a16:colId xmlns:a16="http://schemas.microsoft.com/office/drawing/2014/main" val="20000"/>
                     </a:ext>
                   </a:extLst>
                 </a:gridCol>
-                <a:gridCol w="2304288">
+                <a:gridCol w="1005840">
                   <a:extLst>
                     <a:ext uri="{9D8B030D-6E8A-4147-A177-3AD203B41FA5}">
                       <a16:colId xmlns:a16="http://schemas.microsoft.com/office/drawing/2014/main" val="20001"/>
                     </a:ext>
                   </a:extLst>
                 </a:gridCol>
-                <a:gridCol w="2304288">
+                <a:gridCol w="1005840">
                   <a:extLst>
                     <a:ext uri="{9D8B030D-6E8A-4147-A177-3AD203B41FA5}">
                       <a16:colId xmlns:a16="http://schemas.microsoft.com/office/drawing/2014/main" val="20002"/>
                     </a:ext>
                   </a:extLst>
                 </a:gridCol>
-                <a:gridCol w="2304288">
+                <a:gridCol w="1005840">
                   <a:extLst>
                     <a:ext uri="{9D8B030D-6E8A-4147-A177-3AD203B41FA5}">
                       <a16:colId xmlns:a16="http://schemas.microsoft.com/office/drawing/2014/main" val="20003"/>
                     </a:ext>
                   </a:extLst>
                 </a:gridCol>
-                <a:gridCol w="2304288">
+                <a:gridCol w="1005840">
                   <a:extLst>
                     <a:ext uri="{9D8B030D-6E8A-4147-A177-3AD203B41FA5}">
                       <a16:colId xmlns:a16="http://schemas.microsoft.com/office/drawing/2014/main" val="20004"/>
+                    </a:ext>
+                  </a:extLst>
+                </a:gridCol>
+                <a:gridCol w="1005840">
+                  <a:extLst>
+                    <a:ext uri="{9D8B030D-6E8A-4147-A177-3AD203B41FA5}">
+                      <a16:colId xmlns:a16="http://schemas.microsoft.com/office/drawing/2014/main" val="20005"/>
+                    </a:ext>
+                  </a:extLst>
+                </a:gridCol>
+                <a:gridCol w="1005840">
+                  <a:extLst>
+                    <a:ext uri="{9D8B030D-6E8A-4147-A177-3AD203B41FA5}">
+                      <a16:colId xmlns:a16="http://schemas.microsoft.com/office/drawing/2014/main" val="20006"/>
+                    </a:ext>
+                  </a:extLst>
+                </a:gridCol>
+                <a:gridCol w="1005840">
+                  <a:extLst>
+                    <a:ext uri="{9D8B030D-6E8A-4147-A177-3AD203B41FA5}">
+                      <a16:colId xmlns:a16="http://schemas.microsoft.com/office/drawing/2014/main" val="20007"/>
+                    </a:ext>
+                  </a:extLst>
+                </a:gridCol>
+                <a:gridCol w="1005840">
+                  <a:extLst>
+                    <a:ext uri="{9D8B030D-6E8A-4147-A177-3AD203B41FA5}">
+                      <a16:colId xmlns:a16="http://schemas.microsoft.com/office/drawing/2014/main" val="20008"/>
+                    </a:ext>
+                  </a:extLst>
+                </a:gridCol>
+                <a:gridCol w="1005840">
+                  <a:extLst>
+                    <a:ext uri="{9D8B030D-6E8A-4147-A177-3AD203B41FA5}">
+                      <a16:colId xmlns:a16="http://schemas.microsoft.com/office/drawing/2014/main" val="20009"/>
                     </a:ext>
                   </a:extLst>
                 </a:gridCol>
@@ -5613,14 +5608,14 @@
                       <a:pPr algn="ctr"/>
                       <a:r>
                         <a:rPr sz="3200" b="1"/>
-                        <a:t>が</a:t>
+                        <a:t>ア</a:t>
                       </a:r>
                     </a:p>
                     <a:p>
                       <a:pPr algn="ctr"/>
                       <a:r>
                         <a:rPr sz="1400" b="0"/>
-                        <a:t>Ga  |  க</a:t>
+                        <a:t>A  |  அ</a:t>
                       </a:r>
                     </a:p>
                   </a:txBody>
@@ -5637,14 +5632,14 @@
                       <a:pPr algn="ctr"/>
                       <a:r>
                         <a:rPr sz="3200" b="1"/>
-                        <a:t>ぎ</a:t>
+                        <a:t>カ</a:t>
                       </a:r>
                     </a:p>
                     <a:p>
                       <a:pPr algn="ctr"/>
                       <a:r>
                         <a:rPr sz="1400" b="0"/>
-                        <a:t>Gi  |  கி</a:t>
+                        <a:t>Ka  |  க</a:t>
                       </a:r>
                     </a:p>
                   </a:txBody>
@@ -5661,14 +5656,14 @@
                       <a:pPr algn="ctr"/>
                       <a:r>
                         <a:rPr sz="3200" b="1"/>
-                        <a:t>ぐ</a:t>
+                        <a:t>サ</a:t>
                       </a:r>
                     </a:p>
                     <a:p>
                       <a:pPr algn="ctr"/>
                       <a:r>
                         <a:rPr sz="1400" b="0"/>
-                        <a:t>Gu  |  கு</a:t>
+                        <a:t>Sa  |  ச</a:t>
                       </a:r>
                     </a:p>
                   </a:txBody>
@@ -5679,26 +5674,21 @@
                     <a:bodyPr/>
                     <a:lstStyle/>
                     <a:p>
-                      <a:endParaRPr dirty="0"/>
-                    </a:p>
-                    <a:p>
-                      <a:pPr algn="ctr"/>
-                      <a:r>
-                        <a:rPr sz="3200" b="1" dirty="0"/>
-                        <a:t>げ</a:t>
-                      </a:r>
-                    </a:p>
-                    <a:p>
-                      <a:pPr algn="ctr"/>
-                      <a:r>
-                        <a:rPr sz="1400" b="0" dirty="0"/>
-                        <a:t>Ge  |  </a:t>
-                      </a:r>
-                      <a:r>
-                        <a:rPr sz="1400" b="0" dirty="0" err="1"/>
-                        <a:t>கே</a:t>
-                      </a:r>
-                      <a:endParaRPr sz="1400" b="0" dirty="0"/>
+                      <a:endParaRPr/>
+                    </a:p>
+                    <a:p>
+                      <a:pPr algn="ctr"/>
+                      <a:r>
+                        <a:rPr sz="3200" b="1"/>
+                        <a:t>タ</a:t>
+                      </a:r>
+                    </a:p>
+                    <a:p>
+                      <a:pPr algn="ctr"/>
+                      <a:r>
+                        <a:rPr sz="1400" b="0"/>
+                        <a:t>Ta  |  த</a:t>
+                      </a:r>
                     </a:p>
                   </a:txBody>
                   <a:tcPr/>
@@ -5714,14 +5704,134 @@
                       <a:pPr algn="ctr"/>
                       <a:r>
                         <a:rPr sz="3200" b="1"/>
-                        <a:t>ご</a:t>
+                        <a:t>ナ</a:t>
                       </a:r>
                     </a:p>
                     <a:p>
                       <a:pPr algn="ctr"/>
                       <a:r>
                         <a:rPr sz="1400" b="0"/>
-                        <a:t>Go  |  கொ</a:t>
+                        <a:t>Na  |  ந</a:t>
+                      </a:r>
+                    </a:p>
+                  </a:txBody>
+                  <a:tcPr/>
+                </a:tc>
+                <a:tc>
+                  <a:txBody>
+                    <a:bodyPr/>
+                    <a:lstStyle/>
+                    <a:p>
+                      <a:endParaRPr/>
+                    </a:p>
+                    <a:p>
+                      <a:pPr algn="ctr"/>
+                      <a:r>
+                        <a:rPr sz="3200" b="1"/>
+                        <a:t>ハ</a:t>
+                      </a:r>
+                    </a:p>
+                    <a:p>
+                      <a:pPr algn="ctr"/>
+                      <a:r>
+                        <a:rPr sz="1400" b="0"/>
+                        <a:t>Ha  |  ஹ</a:t>
+                      </a:r>
+                    </a:p>
+                  </a:txBody>
+                  <a:tcPr/>
+                </a:tc>
+                <a:tc>
+                  <a:txBody>
+                    <a:bodyPr/>
+                    <a:lstStyle/>
+                    <a:p>
+                      <a:endParaRPr/>
+                    </a:p>
+                    <a:p>
+                      <a:pPr algn="ctr"/>
+                      <a:r>
+                        <a:rPr sz="3200" b="1"/>
+                        <a:t>マ</a:t>
+                      </a:r>
+                    </a:p>
+                    <a:p>
+                      <a:pPr algn="ctr"/>
+                      <a:r>
+                        <a:rPr sz="1400" b="0"/>
+                        <a:t>Ma  |  ம</a:t>
+                      </a:r>
+                    </a:p>
+                  </a:txBody>
+                  <a:tcPr/>
+                </a:tc>
+                <a:tc>
+                  <a:txBody>
+                    <a:bodyPr/>
+                    <a:lstStyle/>
+                    <a:p>
+                      <a:endParaRPr/>
+                    </a:p>
+                    <a:p>
+                      <a:pPr algn="ctr"/>
+                      <a:r>
+                        <a:rPr sz="3200" b="1"/>
+                        <a:t>ヤ</a:t>
+                      </a:r>
+                    </a:p>
+                    <a:p>
+                      <a:pPr algn="ctr"/>
+                      <a:r>
+                        <a:rPr sz="1400" b="0"/>
+                        <a:t>Ya  |  ய</a:t>
+                      </a:r>
+                    </a:p>
+                  </a:txBody>
+                  <a:tcPr/>
+                </a:tc>
+                <a:tc>
+                  <a:txBody>
+                    <a:bodyPr/>
+                    <a:lstStyle/>
+                    <a:p>
+                      <a:endParaRPr/>
+                    </a:p>
+                    <a:p>
+                      <a:pPr algn="ctr"/>
+                      <a:r>
+                        <a:rPr sz="3200" b="1"/>
+                        <a:t>ラ</a:t>
+                      </a:r>
+                    </a:p>
+                    <a:p>
+                      <a:pPr algn="ctr"/>
+                      <a:r>
+                        <a:rPr sz="1400" b="0"/>
+                        <a:t>Ra  |  ற</a:t>
+                      </a:r>
+                    </a:p>
+                  </a:txBody>
+                  <a:tcPr/>
+                </a:tc>
+                <a:tc>
+                  <a:txBody>
+                    <a:bodyPr/>
+                    <a:lstStyle/>
+                    <a:p>
+                      <a:endParaRPr/>
+                    </a:p>
+                    <a:p>
+                      <a:pPr algn="ctr"/>
+                      <a:r>
+                        <a:rPr sz="3200" b="1"/>
+                        <a:t>ワ</a:t>
+                      </a:r>
+                    </a:p>
+                    <a:p>
+                      <a:pPr algn="ctr"/>
+                      <a:r>
+                        <a:rPr sz="1400" b="0"/>
+                        <a:t>Wa  |  வ</a:t>
                       </a:r>
                     </a:p>
                   </a:txBody>
@@ -5745,14 +5855,14 @@
                       <a:pPr algn="ctr"/>
                       <a:r>
                         <a:rPr sz="3200" b="1"/>
-                        <a:t>ざ</a:t>
+                        <a:t>イ</a:t>
                       </a:r>
                     </a:p>
                     <a:p>
                       <a:pPr algn="ctr"/>
                       <a:r>
                         <a:rPr sz="1400" b="0"/>
-                        <a:t>Za  |  ச</a:t>
+                        <a:t>I  |  இ</a:t>
                       </a:r>
                     </a:p>
                   </a:txBody>
@@ -5769,14 +5879,14 @@
                       <a:pPr algn="ctr"/>
                       <a:r>
                         <a:rPr sz="3200" b="1"/>
-                        <a:t>じ</a:t>
+                        <a:t>キ</a:t>
                       </a:r>
                     </a:p>
                     <a:p>
                       <a:pPr algn="ctr"/>
                       <a:r>
                         <a:rPr sz="1400" b="0"/>
-                        <a:t>Ji  |  சி</a:t>
+                        <a:t>Ki  |  கி</a:t>
                       </a:r>
                     </a:p>
                   </a:txBody>
@@ -5793,14 +5903,14 @@
                       <a:pPr algn="ctr"/>
                       <a:r>
                         <a:rPr sz="3200" b="1"/>
-                        <a:t>ず</a:t>
+                        <a:t>シ</a:t>
                       </a:r>
                     </a:p>
                     <a:p>
                       <a:pPr algn="ctr"/>
                       <a:r>
                         <a:rPr sz="1400" b="0"/>
-                        <a:t>Zu  |  சு</a:t>
+                        <a:t>Shi  |  சி</a:t>
                       </a:r>
                     </a:p>
                   </a:txBody>
@@ -5817,14 +5927,14 @@
                       <a:pPr algn="ctr"/>
                       <a:r>
                         <a:rPr sz="3200" b="1"/>
-                        <a:t>ぜ</a:t>
+                        <a:t>チ</a:t>
                       </a:r>
                     </a:p>
                     <a:p>
                       <a:pPr algn="ctr"/>
                       <a:r>
                         <a:rPr sz="1400" b="0"/>
-                        <a:t>Ze  |  சே</a:t>
+                        <a:t>Chi  |  தி</a:t>
                       </a:r>
                     </a:p>
                   </a:txBody>
@@ -5841,15 +5951,107 @@
                       <a:pPr algn="ctr"/>
                       <a:r>
                         <a:rPr sz="3200" b="1"/>
-                        <a:t>ぞ</a:t>
+                        <a:t>ニ</a:t>
                       </a:r>
                     </a:p>
                     <a:p>
                       <a:pPr algn="ctr"/>
                       <a:r>
                         <a:rPr sz="1400" b="0"/>
-                        <a:t>Zo  |  சொ</a:t>
-                      </a:r>
+                        <a:t>Ni  |  நி</a:t>
+                      </a:r>
+                    </a:p>
+                  </a:txBody>
+                  <a:tcPr/>
+                </a:tc>
+                <a:tc>
+                  <a:txBody>
+                    <a:bodyPr/>
+                    <a:lstStyle/>
+                    <a:p>
+                      <a:endParaRPr/>
+                    </a:p>
+                    <a:p>
+                      <a:pPr algn="ctr"/>
+                      <a:r>
+                        <a:rPr sz="3200" b="1"/>
+                        <a:t>ヒ</a:t>
+                      </a:r>
+                    </a:p>
+                    <a:p>
+                      <a:pPr algn="ctr"/>
+                      <a:r>
+                        <a:rPr sz="1400" b="0"/>
+                        <a:t>Hi  |  ஹி</a:t>
+                      </a:r>
+                    </a:p>
+                  </a:txBody>
+                  <a:tcPr/>
+                </a:tc>
+                <a:tc>
+                  <a:txBody>
+                    <a:bodyPr/>
+                    <a:lstStyle/>
+                    <a:p>
+                      <a:endParaRPr/>
+                    </a:p>
+                    <a:p>
+                      <a:pPr algn="ctr"/>
+                      <a:r>
+                        <a:rPr sz="3200" b="1"/>
+                        <a:t>ミ</a:t>
+                      </a:r>
+                    </a:p>
+                    <a:p>
+                      <a:pPr algn="ctr"/>
+                      <a:r>
+                        <a:rPr sz="1400" b="0"/>
+                        <a:t>Mi  |  மி</a:t>
+                      </a:r>
+                    </a:p>
+                  </a:txBody>
+                  <a:tcPr/>
+                </a:tc>
+                <a:tc>
+                  <a:txBody>
+                    <a:bodyPr/>
+                    <a:lstStyle/>
+                    <a:p>
+                      <a:endParaRPr/>
+                    </a:p>
+                  </a:txBody>
+                  <a:tcPr/>
+                </a:tc>
+                <a:tc>
+                  <a:txBody>
+                    <a:bodyPr/>
+                    <a:lstStyle/>
+                    <a:p>
+                      <a:endParaRPr/>
+                    </a:p>
+                    <a:p>
+                      <a:pPr algn="ctr"/>
+                      <a:r>
+                        <a:rPr sz="3200" b="1"/>
+                        <a:t>リ</a:t>
+                      </a:r>
+                    </a:p>
+                    <a:p>
+                      <a:pPr algn="ctr"/>
+                      <a:r>
+                        <a:rPr sz="1400" b="0"/>
+                        <a:t>Ri  |  றி</a:t>
+                      </a:r>
+                    </a:p>
+                  </a:txBody>
+                  <a:tcPr/>
+                </a:tc>
+                <a:tc>
+                  <a:txBody>
+                    <a:bodyPr/>
+                    <a:lstStyle/>
+                    <a:p>
+                      <a:endParaRPr/>
                     </a:p>
                   </a:txBody>
                   <a:tcPr/>
@@ -5872,14 +6074,14 @@
                       <a:pPr algn="ctr"/>
                       <a:r>
                         <a:rPr sz="3200" b="1"/>
-                        <a:t>だ</a:t>
+                        <a:t>ウ</a:t>
                       </a:r>
                     </a:p>
                     <a:p>
                       <a:pPr algn="ctr"/>
                       <a:r>
                         <a:rPr sz="1400" b="0"/>
-                        <a:t>Da  |  த</a:t>
+                        <a:t>U  |  உ</a:t>
                       </a:r>
                     </a:p>
                   </a:txBody>
@@ -5896,14 +6098,14 @@
                       <a:pPr algn="ctr"/>
                       <a:r>
                         <a:rPr sz="3200" b="1"/>
-                        <a:t>ぢ</a:t>
+                        <a:t>ク</a:t>
                       </a:r>
                     </a:p>
                     <a:p>
                       <a:pPr algn="ctr"/>
                       <a:r>
                         <a:rPr sz="1400" b="0"/>
-                        <a:t>Ji  |  தி</a:t>
+                        <a:t>Ku  |  கு</a:t>
                       </a:r>
                     </a:p>
                   </a:txBody>
@@ -5920,14 +6122,14 @@
                       <a:pPr algn="ctr"/>
                       <a:r>
                         <a:rPr sz="3200" b="1"/>
-                        <a:t>づ</a:t>
+                        <a:t>ス</a:t>
                       </a:r>
                     </a:p>
                     <a:p>
                       <a:pPr algn="ctr"/>
                       <a:r>
                         <a:rPr sz="1400" b="0"/>
-                        <a:t>Zu  |  து</a:t>
+                        <a:t>Su  |  சு</a:t>
                       </a:r>
                     </a:p>
                   </a:txBody>
@@ -5944,14 +6146,14 @@
                       <a:pPr algn="ctr"/>
                       <a:r>
                         <a:rPr sz="3200" b="1"/>
-                        <a:t>で</a:t>
+                        <a:t>ツ</a:t>
                       </a:r>
                     </a:p>
                     <a:p>
                       <a:pPr algn="ctr"/>
                       <a:r>
                         <a:rPr sz="1400" b="0"/>
-                        <a:t>De  |  தே</a:t>
+                        <a:t>Tsu  |  து</a:t>
                       </a:r>
                     </a:p>
                   </a:txBody>
@@ -5968,15 +6170,121 @@
                       <a:pPr algn="ctr"/>
                       <a:r>
                         <a:rPr sz="3200" b="1"/>
-                        <a:t>ど</a:t>
+                        <a:t>ヌ</a:t>
                       </a:r>
                     </a:p>
                     <a:p>
                       <a:pPr algn="ctr"/>
                       <a:r>
                         <a:rPr sz="1400" b="0"/>
-                        <a:t>Do  |  தொ</a:t>
-                      </a:r>
+                        <a:t>Nu  |  நு</a:t>
+                      </a:r>
+                    </a:p>
+                  </a:txBody>
+                  <a:tcPr/>
+                </a:tc>
+                <a:tc>
+                  <a:txBody>
+                    <a:bodyPr/>
+                    <a:lstStyle/>
+                    <a:p>
+                      <a:endParaRPr/>
+                    </a:p>
+                    <a:p>
+                      <a:pPr algn="ctr"/>
+                      <a:r>
+                        <a:rPr sz="3200" b="1"/>
+                        <a:t>フ</a:t>
+                      </a:r>
+                    </a:p>
+                    <a:p>
+                      <a:pPr algn="ctr"/>
+                      <a:r>
+                        <a:rPr sz="1400" b="0"/>
+                        <a:t>Fu  |  ஹு</a:t>
+                      </a:r>
+                    </a:p>
+                  </a:txBody>
+                  <a:tcPr/>
+                </a:tc>
+                <a:tc>
+                  <a:txBody>
+                    <a:bodyPr/>
+                    <a:lstStyle/>
+                    <a:p>
+                      <a:endParaRPr/>
+                    </a:p>
+                    <a:p>
+                      <a:pPr algn="ctr"/>
+                      <a:r>
+                        <a:rPr sz="3200" b="1"/>
+                        <a:t>ム</a:t>
+                      </a:r>
+                    </a:p>
+                    <a:p>
+                      <a:pPr algn="ctr"/>
+                      <a:r>
+                        <a:rPr sz="1400" b="0"/>
+                        <a:t>Mu  |  மு</a:t>
+                      </a:r>
+                    </a:p>
+                  </a:txBody>
+                  <a:tcPr/>
+                </a:tc>
+                <a:tc>
+                  <a:txBody>
+                    <a:bodyPr/>
+                    <a:lstStyle/>
+                    <a:p>
+                      <a:endParaRPr/>
+                    </a:p>
+                    <a:p>
+                      <a:pPr algn="ctr"/>
+                      <a:r>
+                        <a:rPr sz="3200" b="1"/>
+                        <a:t>ユ</a:t>
+                      </a:r>
+                    </a:p>
+                    <a:p>
+                      <a:pPr algn="ctr"/>
+                      <a:r>
+                        <a:rPr sz="1400" b="0"/>
+                        <a:t>Yu  |  யு</a:t>
+                      </a:r>
+                    </a:p>
+                  </a:txBody>
+                  <a:tcPr/>
+                </a:tc>
+                <a:tc>
+                  <a:txBody>
+                    <a:bodyPr/>
+                    <a:lstStyle/>
+                    <a:p>
+                      <a:endParaRPr/>
+                    </a:p>
+                    <a:p>
+                      <a:pPr algn="ctr"/>
+                      <a:r>
+                        <a:rPr sz="3200" b="1"/>
+                        <a:t>ル</a:t>
+                      </a:r>
+                    </a:p>
+                    <a:p>
+                      <a:pPr algn="ctr"/>
+                      <a:r>
+                        <a:rPr sz="1400" b="0"/>
+                        <a:t>Ru  |  று</a:t>
+                      </a:r>
+                    </a:p>
+                  </a:txBody>
+                  <a:tcPr/>
+                </a:tc>
+                <a:tc>
+                  <a:txBody>
+                    <a:bodyPr/>
+                    <a:lstStyle/>
+                    <a:p>
+                      <a:endParaRPr/>
                     </a:p>
                   </a:txBody>
                   <a:tcPr/>
@@ -5999,14 +6307,14 @@
                       <a:pPr algn="ctr"/>
                       <a:r>
                         <a:rPr sz="3200" b="1"/>
-                        <a:t>ば</a:t>
+                        <a:t>エ</a:t>
                       </a:r>
                     </a:p>
                     <a:p>
                       <a:pPr algn="ctr"/>
                       <a:r>
                         <a:rPr sz="1400" b="0"/>
-                        <a:t>Ba  |  ப</a:t>
+                        <a:t>E  |  எ</a:t>
                       </a:r>
                     </a:p>
                   </a:txBody>
@@ -6023,14 +6331,14 @@
                       <a:pPr algn="ctr"/>
                       <a:r>
                         <a:rPr sz="3200" b="1"/>
-                        <a:t>び</a:t>
+                        <a:t>ケ</a:t>
                       </a:r>
                     </a:p>
                     <a:p>
                       <a:pPr algn="ctr"/>
                       <a:r>
                         <a:rPr sz="1400" b="0"/>
-                        <a:t>Bi  |  பி</a:t>
+                        <a:t>Ke  |  கே</a:t>
                       </a:r>
                     </a:p>
                   </a:txBody>
@@ -6047,14 +6355,14 @@
                       <a:pPr algn="ctr"/>
                       <a:r>
                         <a:rPr sz="3200" b="1"/>
-                        <a:t>ぶ</a:t>
+                        <a:t>セ</a:t>
                       </a:r>
                     </a:p>
                     <a:p>
                       <a:pPr algn="ctr"/>
                       <a:r>
                         <a:rPr sz="1400" b="0"/>
-                        <a:t>Bu  |  பு</a:t>
+                        <a:t>Se  |  செ</a:t>
                       </a:r>
                     </a:p>
                   </a:txBody>
@@ -6071,14 +6379,14 @@
                       <a:pPr algn="ctr"/>
                       <a:r>
                         <a:rPr sz="3200" b="1"/>
-                        <a:t>べ</a:t>
+                        <a:t>テ</a:t>
                       </a:r>
                     </a:p>
                     <a:p>
                       <a:pPr algn="ctr"/>
                       <a:r>
                         <a:rPr sz="1400" b="0"/>
-                        <a:t>Be  |  பே</a:t>
+                        <a:t>Te  |  தே</a:t>
                       </a:r>
                     </a:p>
                   </a:txBody>
@@ -6095,15 +6403,107 @@
                       <a:pPr algn="ctr"/>
                       <a:r>
                         <a:rPr sz="3200" b="1"/>
-                        <a:t>ぼ</a:t>
+                        <a:t>ネ</a:t>
                       </a:r>
                     </a:p>
                     <a:p>
                       <a:pPr algn="ctr"/>
                       <a:r>
                         <a:rPr sz="1400" b="0"/>
-                        <a:t>Bo  |  பொ</a:t>
-                      </a:r>
+                        <a:t>Ne  |  நே</a:t>
+                      </a:r>
+                    </a:p>
+                  </a:txBody>
+                  <a:tcPr/>
+                </a:tc>
+                <a:tc>
+                  <a:txBody>
+                    <a:bodyPr/>
+                    <a:lstStyle/>
+                    <a:p>
+                      <a:endParaRPr/>
+                    </a:p>
+                    <a:p>
+                      <a:pPr algn="ctr"/>
+                      <a:r>
+                        <a:rPr sz="3200" b="1"/>
+                        <a:t>ヘ</a:t>
+                      </a:r>
+                    </a:p>
+                    <a:p>
+                      <a:pPr algn="ctr"/>
+                      <a:r>
+                        <a:rPr sz="1400" b="0"/>
+                        <a:t>He  |  ஹே</a:t>
+                      </a:r>
+                    </a:p>
+                  </a:txBody>
+                  <a:tcPr/>
+                </a:tc>
+                <a:tc>
+                  <a:txBody>
+                    <a:bodyPr/>
+                    <a:lstStyle/>
+                    <a:p>
+                      <a:endParaRPr/>
+                    </a:p>
+                    <a:p>
+                      <a:pPr algn="ctr"/>
+                      <a:r>
+                        <a:rPr sz="3200" b="1"/>
+                        <a:t>メ</a:t>
+                      </a:r>
+                    </a:p>
+                    <a:p>
+                      <a:pPr algn="ctr"/>
+                      <a:r>
+                        <a:rPr sz="1400" b="0"/>
+                        <a:t>Me  |  மே</a:t>
+                      </a:r>
+                    </a:p>
+                  </a:txBody>
+                  <a:tcPr/>
+                </a:tc>
+                <a:tc>
+                  <a:txBody>
+                    <a:bodyPr/>
+                    <a:lstStyle/>
+                    <a:p>
+                      <a:endParaRPr/>
+                    </a:p>
+                  </a:txBody>
+                  <a:tcPr/>
+                </a:tc>
+                <a:tc>
+                  <a:txBody>
+                    <a:bodyPr/>
+                    <a:lstStyle/>
+                    <a:p>
+                      <a:endParaRPr/>
+                    </a:p>
+                    <a:p>
+                      <a:pPr algn="ctr"/>
+                      <a:r>
+                        <a:rPr sz="3200" b="1"/>
+                        <a:t>レ</a:t>
+                      </a:r>
+                    </a:p>
+                    <a:p>
+                      <a:pPr algn="ctr"/>
+                      <a:r>
+                        <a:rPr sz="1400" b="0"/>
+                        <a:t>Re  |  றே</a:t>
+                      </a:r>
+                    </a:p>
+                  </a:txBody>
+                  <a:tcPr/>
+                </a:tc>
+                <a:tc>
+                  <a:txBody>
+                    <a:bodyPr/>
+                    <a:lstStyle/>
+                    <a:p>
+                      <a:endParaRPr/>
                     </a:p>
                   </a:txBody>
                   <a:tcPr/>
@@ -6126,14 +6526,14 @@
                       <a:pPr algn="ctr"/>
                       <a:r>
                         <a:rPr sz="3200" b="1"/>
-                        <a:t>ぱ</a:t>
+                        <a:t>オ</a:t>
                       </a:r>
                     </a:p>
                     <a:p>
                       <a:pPr algn="ctr"/>
                       <a:r>
                         <a:rPr sz="1400" b="0"/>
-                        <a:t>Pa  |  ப</a:t>
+                        <a:t>O  |  ஒ</a:t>
                       </a:r>
                     </a:p>
                   </a:txBody>
@@ -6150,14 +6550,14 @@
                       <a:pPr algn="ctr"/>
                       <a:r>
                         <a:rPr sz="3200" b="1"/>
-                        <a:t>ぴ</a:t>
+                        <a:t>コ</a:t>
                       </a:r>
                     </a:p>
                     <a:p>
                       <a:pPr algn="ctr"/>
                       <a:r>
                         <a:rPr sz="1400" b="0"/>
-                        <a:t>Pi  |  பி</a:t>
+                        <a:t>Ko  |  கொ</a:t>
                       </a:r>
                     </a:p>
                   </a:txBody>
@@ -6168,26 +6568,21 @@
                     <a:bodyPr/>
                     <a:lstStyle/>
                     <a:p>
-                      <a:endParaRPr dirty="0"/>
-                    </a:p>
-                    <a:p>
-                      <a:pPr algn="ctr"/>
-                      <a:r>
-                        <a:rPr sz="3200" b="1" dirty="0"/>
-                        <a:t>ぷ</a:t>
-                      </a:r>
-                    </a:p>
-                    <a:p>
-                      <a:pPr algn="ctr"/>
-                      <a:r>
-                        <a:rPr sz="1400" b="0" dirty="0"/>
-                        <a:t>Pu  |  </a:t>
-                      </a:r>
-                      <a:r>
-                        <a:rPr sz="1400" b="0" dirty="0" err="1"/>
-                        <a:t>பு</a:t>
-                      </a:r>
-                      <a:endParaRPr sz="1400" b="0" dirty="0"/>
+                      <a:endParaRPr/>
+                    </a:p>
+                    <a:p>
+                      <a:pPr algn="ctr"/>
+                      <a:r>
+                        <a:rPr sz="3200" b="1"/>
+                        <a:t>ソ</a:t>
+                      </a:r>
+                    </a:p>
+                    <a:p>
+                      <a:pPr algn="ctr"/>
+                      <a:r>
+                        <a:rPr sz="1400" b="0"/>
+                        <a:t>So  |  சொ</a:t>
+                      </a:r>
                     </a:p>
                   </a:txBody>
                   <a:tcPr/>
@@ -6203,14 +6598,14 @@
                       <a:pPr algn="ctr"/>
                       <a:r>
                         <a:rPr sz="3200" b="1"/>
-                        <a:t>ぺ</a:t>
+                        <a:t>ト</a:t>
                       </a:r>
                     </a:p>
                     <a:p>
                       <a:pPr algn="ctr"/>
                       <a:r>
                         <a:rPr sz="1400" b="0"/>
-                        <a:t>Pe  |  பே</a:t>
+                        <a:t>To  |  தொ</a:t>
                       </a:r>
                     </a:p>
                   </a:txBody>
@@ -6221,26 +6616,141 @@
                     <a:bodyPr/>
                     <a:lstStyle/>
                     <a:p>
-                      <a:endParaRPr dirty="0"/>
-                    </a:p>
-                    <a:p>
-                      <a:pPr algn="ctr"/>
-                      <a:r>
-                        <a:rPr sz="3200" b="1" dirty="0"/>
-                        <a:t>ぽ</a:t>
-                      </a:r>
-                    </a:p>
-                    <a:p>
-                      <a:pPr algn="ctr"/>
-                      <a:r>
-                        <a:rPr sz="1400" b="0" dirty="0"/>
-                        <a:t>Po  |  </a:t>
-                      </a:r>
-                      <a:r>
-                        <a:rPr sz="1400" b="0" dirty="0" err="1"/>
-                        <a:t>பொ</a:t>
-                      </a:r>
-                      <a:endParaRPr sz="1400" b="0" dirty="0"/>
+                      <a:endParaRPr/>
+                    </a:p>
+                    <a:p>
+                      <a:pPr algn="ctr"/>
+                      <a:r>
+                        <a:rPr sz="3200" b="1"/>
+                        <a:t>ノ</a:t>
+                      </a:r>
+                    </a:p>
+                    <a:p>
+                      <a:pPr algn="ctr"/>
+                      <a:r>
+                        <a:rPr sz="1400" b="0"/>
+                        <a:t>No  |  நொ</a:t>
+                      </a:r>
+                    </a:p>
+                  </a:txBody>
+                  <a:tcPr/>
+                </a:tc>
+                <a:tc>
+                  <a:txBody>
+                    <a:bodyPr/>
+                    <a:lstStyle/>
+                    <a:p>
+                      <a:endParaRPr/>
+                    </a:p>
+                    <a:p>
+                      <a:pPr algn="ctr"/>
+                      <a:r>
+                        <a:rPr sz="3200" b="1"/>
+                        <a:t>ホ</a:t>
+                      </a:r>
+                    </a:p>
+                    <a:p>
+                      <a:pPr algn="ctr"/>
+                      <a:r>
+                        <a:rPr sz="1400" b="0"/>
+                        <a:t>Ho  |  ஹொ</a:t>
+                      </a:r>
+                    </a:p>
+                  </a:txBody>
+                  <a:tcPr/>
+                </a:tc>
+                <a:tc>
+                  <a:txBody>
+                    <a:bodyPr/>
+                    <a:lstStyle/>
+                    <a:p>
+                      <a:endParaRPr/>
+                    </a:p>
+                    <a:p>
+                      <a:pPr algn="ctr"/>
+                      <a:r>
+                        <a:rPr sz="3200" b="1"/>
+                        <a:t>モ</a:t>
+                      </a:r>
+                    </a:p>
+                    <a:p>
+                      <a:pPr algn="ctr"/>
+                      <a:r>
+                        <a:rPr sz="1400" b="0"/>
+                        <a:t>Mo  |  மொ</a:t>
+                      </a:r>
+                    </a:p>
+                  </a:txBody>
+                  <a:tcPr/>
+                </a:tc>
+                <a:tc>
+                  <a:txBody>
+                    <a:bodyPr/>
+                    <a:lstStyle/>
+                    <a:p>
+                      <a:endParaRPr/>
+                    </a:p>
+                    <a:p>
+                      <a:pPr algn="ctr"/>
+                      <a:r>
+                        <a:rPr sz="3200" b="1"/>
+                        <a:t>ヨ</a:t>
+                      </a:r>
+                    </a:p>
+                    <a:p>
+                      <a:pPr algn="ctr"/>
+                      <a:r>
+                        <a:rPr sz="1400" b="0"/>
+                        <a:t>Yo  |  யொ</a:t>
+                      </a:r>
+                    </a:p>
+                  </a:txBody>
+                  <a:tcPr/>
+                </a:tc>
+                <a:tc>
+                  <a:txBody>
+                    <a:bodyPr/>
+                    <a:lstStyle/>
+                    <a:p>
+                      <a:endParaRPr/>
+                    </a:p>
+                    <a:p>
+                      <a:pPr algn="ctr"/>
+                      <a:r>
+                        <a:rPr sz="3200" b="1"/>
+                        <a:t>ロ</a:t>
+                      </a:r>
+                    </a:p>
+                    <a:p>
+                      <a:pPr algn="ctr"/>
+                      <a:r>
+                        <a:rPr sz="1400" b="0"/>
+                        <a:t>Ro  |  றொ</a:t>
+                      </a:r>
+                    </a:p>
+                  </a:txBody>
+                  <a:tcPr/>
+                </a:tc>
+                <a:tc>
+                  <a:txBody>
+                    <a:bodyPr/>
+                    <a:lstStyle/>
+                    <a:p>
+                      <a:endParaRPr/>
+                    </a:p>
+                    <a:p>
+                      <a:pPr algn="ctr"/>
+                      <a:r>
+                        <a:rPr sz="3200" b="1"/>
+                        <a:t>ヲ</a:t>
+                      </a:r>
+                    </a:p>
+                    <a:p>
+                      <a:pPr algn="ctr"/>
+                      <a:r>
+                        <a:rPr sz="1400" b="0"/>
+                        <a:t>Wo  |  வொ</a:t>
+                      </a:r>
                     </a:p>
                   </a:txBody>
                   <a:tcPr/>
@@ -6255,6 +6765,41 @@
           </a:graphicData>
         </a:graphic>
       </p:graphicFrame>
+      <p:sp>
+        <p:nvSpPr>
+          <p:cNvPr id="4" name="TextBox 3"/>
+          <p:cNvSpPr txBox="1"/>
+          <p:nvPr/>
+        </p:nvSpPr>
+        <p:spPr>
+          <a:xfrm>
+            <a:off x="10058400" y="5029200"/>
+            <a:ext cx="1097280" cy="914400"/>
+          </a:xfrm>
+          <a:prstGeom prst="rect">
+            <a:avLst/>
+          </a:prstGeom>
+          <a:noFill/>
+        </p:spPr>
+        <p:txBody>
+          <a:bodyPr wrap="none" anchor="ctr">
+            <a:spAutoFit/>
+          </a:bodyPr>
+          <a:lstStyle/>
+          <a:p>
+            <a:pPr algn="ctr"/>
+            <a:r>
+              <a:rPr sz="2400" b="0">
+                <a:solidFill>
+                  <a:srgbClr val="000000"/>
+                </a:solidFill>
+              </a:rPr>
+              <a:t>ン
+N | ன்</a:t>
+            </a:r>
+          </a:p>
+        </p:txBody>
+      </p:sp>
     </p:spTree>
   </p:cSld>
   <p:clrMapOvr>
@@ -6655,6 +7200,157 @@
       </p:grpSpPr>
       <p:sp>
         <p:nvSpPr>
+          <p:cNvPr id="5" name="Rectangle 4">
+            <a:extLst>
+              <a:ext uri="{FF2B5EF4-FFF2-40B4-BE49-F238E27FC236}">
+                <a16:creationId xmlns:a16="http://schemas.microsoft.com/office/drawing/2014/main" id="{AF9276DB-EE86-AC3C-9AA9-1B0FE18EFC22}"/>
+              </a:ext>
+            </a:extLst>
+          </p:cNvPr>
+          <p:cNvSpPr/>
+          <p:nvPr/>
+        </p:nvSpPr>
+        <p:spPr>
+          <a:xfrm>
+            <a:off x="5991727" y="-1"/>
+            <a:ext cx="6229149" cy="6819499"/>
+          </a:xfrm>
+          <a:prstGeom prst="rect">
+            <a:avLst/>
+          </a:prstGeom>
+          <a:solidFill>
+            <a:schemeClr val="accent5">
+              <a:lumMod val="20000"/>
+              <a:lumOff val="80000"/>
+            </a:schemeClr>
+          </a:solidFill>
+        </p:spPr>
+        <p:style>
+          <a:lnRef idx="1">
+            <a:schemeClr val="accent1"/>
+          </a:lnRef>
+          <a:fillRef idx="3">
+            <a:schemeClr val="accent1"/>
+          </a:fillRef>
+          <a:effectRef idx="2">
+            <a:schemeClr val="accent1"/>
+          </a:effectRef>
+          <a:fontRef idx="minor">
+            <a:schemeClr val="lt1"/>
+          </a:fontRef>
+        </p:style>
+        <p:txBody>
+          <a:bodyPr rtlCol="0" anchor="ctr"/>
+          <a:lstStyle/>
+          <a:p>
+            <a:pPr algn="ctr"/>
+            <a:endParaRPr lang="en-IN"/>
+          </a:p>
+        </p:txBody>
+      </p:sp>
+      <p:sp>
+        <p:nvSpPr>
+          <p:cNvPr id="4" name="Rectangle 3">
+            <a:extLst>
+              <a:ext uri="{FF2B5EF4-FFF2-40B4-BE49-F238E27FC236}">
+                <a16:creationId xmlns:a16="http://schemas.microsoft.com/office/drawing/2014/main" id="{2BF461BC-4E0A-5DF7-227F-6E71DB9A4CB6}"/>
+              </a:ext>
+            </a:extLst>
+          </p:cNvPr>
+          <p:cNvSpPr/>
+          <p:nvPr/>
+        </p:nvSpPr>
+        <p:spPr>
+          <a:xfrm>
+            <a:off x="0" y="0"/>
+            <a:ext cx="5962851" cy="6819499"/>
+          </a:xfrm>
+          <a:prstGeom prst="rect">
+            <a:avLst/>
+          </a:prstGeom>
+          <a:solidFill>
+            <a:schemeClr val="accent6">
+              <a:lumMod val="20000"/>
+              <a:lumOff val="80000"/>
+            </a:schemeClr>
+          </a:solidFill>
+        </p:spPr>
+        <p:style>
+          <a:lnRef idx="1">
+            <a:schemeClr val="accent1"/>
+          </a:lnRef>
+          <a:fillRef idx="3">
+            <a:schemeClr val="accent1"/>
+          </a:fillRef>
+          <a:effectRef idx="2">
+            <a:schemeClr val="accent1"/>
+          </a:effectRef>
+          <a:fontRef idx="minor">
+            <a:schemeClr val="lt1"/>
+          </a:fontRef>
+        </p:style>
+        <p:txBody>
+          <a:bodyPr rtlCol="0" anchor="ctr"/>
+          <a:lstStyle/>
+          <a:p>
+            <a:pPr algn="ctr"/>
+            <a:endParaRPr lang="en-IN"/>
+          </a:p>
+        </p:txBody>
+      </p:sp>
+      <p:sp>
+        <p:nvSpPr>
+          <p:cNvPr id="9" name="Rectangle 8">
+            <a:extLst>
+              <a:ext uri="{FF2B5EF4-FFF2-40B4-BE49-F238E27FC236}">
+                <a16:creationId xmlns:a16="http://schemas.microsoft.com/office/drawing/2014/main" id="{ED0FB070-3225-0364-6510-B15DC2781E34}"/>
+              </a:ext>
+            </a:extLst>
+          </p:cNvPr>
+          <p:cNvSpPr/>
+          <p:nvPr/>
+        </p:nvSpPr>
+        <p:spPr>
+          <a:xfrm>
+            <a:off x="28876" y="7219"/>
+            <a:ext cx="12192000" cy="421105"/>
+          </a:xfrm>
+          <a:prstGeom prst="rect">
+            <a:avLst/>
+          </a:prstGeom>
+          <a:noFill/>
+          <a:ln>
+            <a:solidFill>
+              <a:schemeClr val="tx1"/>
+            </a:solidFill>
+            <a:prstDash val="sysDot"/>
+          </a:ln>
+        </p:spPr>
+        <p:style>
+          <a:lnRef idx="1">
+            <a:schemeClr val="accent1"/>
+          </a:lnRef>
+          <a:fillRef idx="3">
+            <a:schemeClr val="accent1"/>
+          </a:fillRef>
+          <a:effectRef idx="2">
+            <a:schemeClr val="accent1"/>
+          </a:effectRef>
+          <a:fontRef idx="minor">
+            <a:schemeClr val="lt1"/>
+          </a:fontRef>
+        </p:style>
+        <p:txBody>
+          <a:bodyPr rtlCol="0" anchor="ctr"/>
+          <a:lstStyle/>
+          <a:p>
+            <a:pPr algn="ctr"/>
+            <a:endParaRPr lang="en-IN"/>
+          </a:p>
+        </p:txBody>
+      </p:sp>
+      <p:sp>
+        <p:nvSpPr>
           <p:cNvPr id="2" name="TextBox 1"/>
           <p:cNvSpPr txBox="1"/>
           <p:nvPr/>
@@ -6677,7 +7373,7 @@
           <a:p>
             <a:pPr algn="ctr"/>
             <a:r>
-              <a:rPr sz="12000" b="1">
+              <a:rPr sz="12000" b="1" dirty="0">
                 <a:solidFill>
                   <a:srgbClr val="000000"/>
                 </a:solidFill>
@@ -6718,6 +7414,160 @@
               </a:rPr>
               <a:t>Ta | த</a:t>
             </a:r>
+          </a:p>
+        </p:txBody>
+      </p:sp>
+      <p:sp>
+        <p:nvSpPr>
+          <p:cNvPr id="8" name="Rectangle 7">
+            <a:extLst>
+              <a:ext uri="{FF2B5EF4-FFF2-40B4-BE49-F238E27FC236}">
+                <a16:creationId xmlns:a16="http://schemas.microsoft.com/office/drawing/2014/main" id="{F69328E0-C737-E76D-3926-44B44AA4E81D}"/>
+              </a:ext>
+            </a:extLst>
+          </p:cNvPr>
+          <p:cNvSpPr/>
+          <p:nvPr/>
+        </p:nvSpPr>
+        <p:spPr>
+          <a:xfrm>
+            <a:off x="1953928" y="38501"/>
+            <a:ext cx="2026118" cy="306768"/>
+          </a:xfrm>
+          <a:prstGeom prst="rect">
+            <a:avLst/>
+          </a:prstGeom>
+        </p:spPr>
+        <p:style>
+          <a:lnRef idx="1">
+            <a:schemeClr val="accent1"/>
+          </a:lnRef>
+          <a:fillRef idx="3">
+            <a:schemeClr val="accent1"/>
+          </a:fillRef>
+          <a:effectRef idx="2">
+            <a:schemeClr val="accent1"/>
+          </a:effectRef>
+          <a:fontRef idx="minor">
+            <a:schemeClr val="lt1"/>
+          </a:fontRef>
+        </p:style>
+        <p:txBody>
+          <a:bodyPr rtlCol="0" anchor="ctr"/>
+          <a:lstStyle/>
+          <a:p>
+            <a:pPr algn="ctr"/>
+            <a:endParaRPr lang="en-IN"/>
+          </a:p>
+        </p:txBody>
+      </p:sp>
+      <p:sp>
+        <p:nvSpPr>
+          <p:cNvPr id="6" name="TextBox 5">
+            <a:extLst>
+              <a:ext uri="{FF2B5EF4-FFF2-40B4-BE49-F238E27FC236}">
+                <a16:creationId xmlns:a16="http://schemas.microsoft.com/office/drawing/2014/main" id="{94FA9417-A0A3-3C0A-C640-E1E892CFD430}"/>
+              </a:ext>
+            </a:extLst>
+          </p:cNvPr>
+          <p:cNvSpPr txBox="1"/>
+          <p:nvPr/>
+        </p:nvSpPr>
+        <p:spPr>
+          <a:xfrm>
+            <a:off x="43314" y="7219"/>
+            <a:ext cx="5933975" cy="369332"/>
+          </a:xfrm>
+          <a:prstGeom prst="rect">
+            <a:avLst/>
+          </a:prstGeom>
+          <a:solidFill>
+            <a:schemeClr val="accent6">
+              <a:lumMod val="20000"/>
+              <a:lumOff val="80000"/>
+            </a:schemeClr>
+          </a:solidFill>
+          <a:ln w="3175">
+            <a:solidFill>
+              <a:schemeClr val="accent6">
+                <a:lumMod val="20000"/>
+                <a:lumOff val="80000"/>
+              </a:schemeClr>
+            </a:solidFill>
+            <a:prstDash val="sysDot"/>
+          </a:ln>
+        </p:spPr>
+        <p:txBody>
+          <a:bodyPr wrap="square" rtlCol="0">
+            <a:spAutoFit/>
+          </a:bodyPr>
+          <a:lstStyle/>
+          <a:p>
+            <a:pPr algn="ctr"/>
+            <a:r>
+              <a:rPr lang="en-IN" dirty="0"/>
+              <a:t>Hiragana|</a:t>
+            </a:r>
+            <a:r>
+              <a:rPr lang="ja-JP" altLang="en-US" sz="1800" b="1" dirty="0"/>
+              <a:t> ひらがな</a:t>
+            </a:r>
+            <a:endParaRPr lang="en-IN" dirty="0"/>
+          </a:p>
+        </p:txBody>
+      </p:sp>
+      <p:sp>
+        <p:nvSpPr>
+          <p:cNvPr id="7" name="TextBox 6">
+            <a:extLst>
+              <a:ext uri="{FF2B5EF4-FFF2-40B4-BE49-F238E27FC236}">
+                <a16:creationId xmlns:a16="http://schemas.microsoft.com/office/drawing/2014/main" id="{6FF88321-FEE7-358F-D047-D1F4DE5B996B}"/>
+              </a:ext>
+            </a:extLst>
+          </p:cNvPr>
+          <p:cNvSpPr txBox="1"/>
+          <p:nvPr/>
+        </p:nvSpPr>
+        <p:spPr>
+          <a:xfrm>
+            <a:off x="5991727" y="0"/>
+            <a:ext cx="6229149" cy="369332"/>
+          </a:xfrm>
+          <a:prstGeom prst="rect">
+            <a:avLst/>
+          </a:prstGeom>
+          <a:solidFill>
+            <a:schemeClr val="accent5">
+              <a:lumMod val="20000"/>
+              <a:lumOff val="80000"/>
+            </a:schemeClr>
+          </a:solidFill>
+          <a:ln w="3175">
+            <a:solidFill>
+              <a:schemeClr val="accent6">
+                <a:lumMod val="20000"/>
+                <a:lumOff val="80000"/>
+              </a:schemeClr>
+            </a:solidFill>
+            <a:prstDash val="sysDot"/>
+          </a:ln>
+        </p:spPr>
+        <p:txBody>
+          <a:bodyPr wrap="square" rtlCol="0">
+            <a:spAutoFit/>
+          </a:bodyPr>
+          <a:lstStyle/>
+          <a:p>
+            <a:pPr algn="ctr"/>
+            <a:r>
+              <a:rPr lang="en-IN" dirty="0"/>
+              <a:t>Katakana|</a:t>
+            </a:r>
+            <a:r>
+              <a:rPr lang="ja-JP" altLang="en-US" sz="1800" b="1" dirty="0"/>
+              <a:t> カタカナ</a:t>
+            </a:r>
+            <a:endParaRPr lang="en-IN" dirty="0"/>
           </a:p>
         </p:txBody>
       </p:sp>
@@ -6748,6 +7598,267 @@
       </p:grpSpPr>
       <p:sp>
         <p:nvSpPr>
+          <p:cNvPr id="4" name="Rectangle 3">
+            <a:extLst>
+              <a:ext uri="{FF2B5EF4-FFF2-40B4-BE49-F238E27FC236}">
+                <a16:creationId xmlns:a16="http://schemas.microsoft.com/office/drawing/2014/main" id="{70DF130B-AECC-569E-E559-3387D8EC3AF5}"/>
+              </a:ext>
+            </a:extLst>
+          </p:cNvPr>
+          <p:cNvSpPr/>
+          <p:nvPr/>
+        </p:nvSpPr>
+        <p:spPr>
+          <a:xfrm>
+            <a:off x="5991727" y="-1"/>
+            <a:ext cx="6229149" cy="6819499"/>
+          </a:xfrm>
+          <a:prstGeom prst="rect">
+            <a:avLst/>
+          </a:prstGeom>
+          <a:solidFill>
+            <a:schemeClr val="accent5">
+              <a:lumMod val="20000"/>
+              <a:lumOff val="80000"/>
+            </a:schemeClr>
+          </a:solidFill>
+        </p:spPr>
+        <p:style>
+          <a:lnRef idx="1">
+            <a:schemeClr val="accent1"/>
+          </a:lnRef>
+          <a:fillRef idx="3">
+            <a:schemeClr val="accent1"/>
+          </a:fillRef>
+          <a:effectRef idx="2">
+            <a:schemeClr val="accent1"/>
+          </a:effectRef>
+          <a:fontRef idx="minor">
+            <a:schemeClr val="lt1"/>
+          </a:fontRef>
+        </p:style>
+        <p:txBody>
+          <a:bodyPr rtlCol="0" anchor="ctr"/>
+          <a:lstStyle/>
+          <a:p>
+            <a:pPr algn="ctr"/>
+            <a:endParaRPr lang="en-IN"/>
+          </a:p>
+        </p:txBody>
+      </p:sp>
+      <p:sp>
+        <p:nvSpPr>
+          <p:cNvPr id="5" name="Rectangle 4">
+            <a:extLst>
+              <a:ext uri="{FF2B5EF4-FFF2-40B4-BE49-F238E27FC236}">
+                <a16:creationId xmlns:a16="http://schemas.microsoft.com/office/drawing/2014/main" id="{2A95FC1C-0657-30D7-A11D-CD2107008B9D}"/>
+              </a:ext>
+            </a:extLst>
+          </p:cNvPr>
+          <p:cNvSpPr/>
+          <p:nvPr/>
+        </p:nvSpPr>
+        <p:spPr>
+          <a:xfrm>
+            <a:off x="0" y="0"/>
+            <a:ext cx="5962851" cy="6819499"/>
+          </a:xfrm>
+          <a:prstGeom prst="rect">
+            <a:avLst/>
+          </a:prstGeom>
+          <a:solidFill>
+            <a:schemeClr val="accent6">
+              <a:lumMod val="20000"/>
+              <a:lumOff val="80000"/>
+            </a:schemeClr>
+          </a:solidFill>
+        </p:spPr>
+        <p:style>
+          <a:lnRef idx="1">
+            <a:schemeClr val="accent1"/>
+          </a:lnRef>
+          <a:fillRef idx="3">
+            <a:schemeClr val="accent1"/>
+          </a:fillRef>
+          <a:effectRef idx="2">
+            <a:schemeClr val="accent1"/>
+          </a:effectRef>
+          <a:fontRef idx="minor">
+            <a:schemeClr val="lt1"/>
+          </a:fontRef>
+        </p:style>
+        <p:txBody>
+          <a:bodyPr rtlCol="0" anchor="ctr"/>
+          <a:lstStyle/>
+          <a:p>
+            <a:pPr algn="ctr"/>
+            <a:endParaRPr lang="en-IN"/>
+          </a:p>
+        </p:txBody>
+      </p:sp>
+      <p:sp>
+        <p:nvSpPr>
+          <p:cNvPr id="6" name="Rectangle 5">
+            <a:extLst>
+              <a:ext uri="{FF2B5EF4-FFF2-40B4-BE49-F238E27FC236}">
+                <a16:creationId xmlns:a16="http://schemas.microsoft.com/office/drawing/2014/main" id="{C1A72E6B-3265-BF5B-3D41-EB38B7EB4129}"/>
+              </a:ext>
+            </a:extLst>
+          </p:cNvPr>
+          <p:cNvSpPr/>
+          <p:nvPr/>
+        </p:nvSpPr>
+        <p:spPr>
+          <a:xfrm>
+            <a:off x="28876" y="7219"/>
+            <a:ext cx="12192000" cy="421105"/>
+          </a:xfrm>
+          <a:prstGeom prst="rect">
+            <a:avLst/>
+          </a:prstGeom>
+          <a:noFill/>
+          <a:ln>
+            <a:solidFill>
+              <a:schemeClr val="tx1"/>
+            </a:solidFill>
+            <a:prstDash val="sysDot"/>
+          </a:ln>
+        </p:spPr>
+        <p:style>
+          <a:lnRef idx="1">
+            <a:schemeClr val="accent1"/>
+          </a:lnRef>
+          <a:fillRef idx="3">
+            <a:schemeClr val="accent1"/>
+          </a:fillRef>
+          <a:effectRef idx="2">
+            <a:schemeClr val="accent1"/>
+          </a:effectRef>
+          <a:fontRef idx="minor">
+            <a:schemeClr val="lt1"/>
+          </a:fontRef>
+        </p:style>
+        <p:txBody>
+          <a:bodyPr rtlCol="0" anchor="ctr"/>
+          <a:lstStyle/>
+          <a:p>
+            <a:pPr algn="ctr"/>
+            <a:endParaRPr lang="en-IN"/>
+          </a:p>
+        </p:txBody>
+      </p:sp>
+      <p:sp>
+        <p:nvSpPr>
+          <p:cNvPr id="7" name="TextBox 6">
+            <a:extLst>
+              <a:ext uri="{FF2B5EF4-FFF2-40B4-BE49-F238E27FC236}">
+                <a16:creationId xmlns:a16="http://schemas.microsoft.com/office/drawing/2014/main" id="{65085B93-F2D5-A87A-65D6-6571720345BE}"/>
+              </a:ext>
+            </a:extLst>
+          </p:cNvPr>
+          <p:cNvSpPr txBox="1"/>
+          <p:nvPr/>
+        </p:nvSpPr>
+        <p:spPr>
+          <a:xfrm>
+            <a:off x="43314" y="7219"/>
+            <a:ext cx="5933975" cy="369332"/>
+          </a:xfrm>
+          <a:prstGeom prst="rect">
+            <a:avLst/>
+          </a:prstGeom>
+          <a:solidFill>
+            <a:schemeClr val="accent6">
+              <a:lumMod val="20000"/>
+              <a:lumOff val="80000"/>
+            </a:schemeClr>
+          </a:solidFill>
+          <a:ln w="3175">
+            <a:solidFill>
+              <a:schemeClr val="accent6">
+                <a:lumMod val="20000"/>
+                <a:lumOff val="80000"/>
+              </a:schemeClr>
+            </a:solidFill>
+            <a:prstDash val="sysDot"/>
+          </a:ln>
+        </p:spPr>
+        <p:txBody>
+          <a:bodyPr wrap="square" rtlCol="0">
+            <a:spAutoFit/>
+          </a:bodyPr>
+          <a:lstStyle/>
+          <a:p>
+            <a:pPr algn="ctr"/>
+            <a:r>
+              <a:rPr lang="en-IN" dirty="0"/>
+              <a:t>Hiragana|</a:t>
+            </a:r>
+            <a:r>
+              <a:rPr lang="ja-JP" altLang="en-US" sz="1800" b="1" dirty="0"/>
+              <a:t> ひらがな</a:t>
+            </a:r>
+            <a:endParaRPr lang="en-IN" dirty="0"/>
+          </a:p>
+        </p:txBody>
+      </p:sp>
+      <p:sp>
+        <p:nvSpPr>
+          <p:cNvPr id="8" name="TextBox 7">
+            <a:extLst>
+              <a:ext uri="{FF2B5EF4-FFF2-40B4-BE49-F238E27FC236}">
+                <a16:creationId xmlns:a16="http://schemas.microsoft.com/office/drawing/2014/main" id="{BA69C7EE-4B9A-0FD1-57A2-49B85F26FA57}"/>
+              </a:ext>
+            </a:extLst>
+          </p:cNvPr>
+          <p:cNvSpPr txBox="1"/>
+          <p:nvPr/>
+        </p:nvSpPr>
+        <p:spPr>
+          <a:xfrm>
+            <a:off x="5991727" y="0"/>
+            <a:ext cx="6229149" cy="369332"/>
+          </a:xfrm>
+          <a:prstGeom prst="rect">
+            <a:avLst/>
+          </a:prstGeom>
+          <a:solidFill>
+            <a:schemeClr val="accent5">
+              <a:lumMod val="20000"/>
+              <a:lumOff val="80000"/>
+            </a:schemeClr>
+          </a:solidFill>
+          <a:ln w="3175">
+            <a:solidFill>
+              <a:schemeClr val="accent6">
+                <a:lumMod val="20000"/>
+                <a:lumOff val="80000"/>
+              </a:schemeClr>
+            </a:solidFill>
+            <a:prstDash val="sysDot"/>
+          </a:ln>
+        </p:spPr>
+        <p:txBody>
+          <a:bodyPr wrap="square" rtlCol="0">
+            <a:spAutoFit/>
+          </a:bodyPr>
+          <a:lstStyle/>
+          <a:p>
+            <a:pPr algn="ctr"/>
+            <a:r>
+              <a:rPr lang="en-IN" dirty="0"/>
+              <a:t>Katakana|</a:t>
+            </a:r>
+            <a:r>
+              <a:rPr lang="ja-JP" altLang="en-US" sz="1800" b="1" dirty="0"/>
+              <a:t> カタカナ</a:t>
+            </a:r>
+            <a:endParaRPr lang="en-IN" dirty="0"/>
+          </a:p>
+        </p:txBody>
+      </p:sp>
+      <p:sp>
+        <p:nvSpPr>
           <p:cNvPr id="2" name="TextBox 1"/>
           <p:cNvSpPr txBox="1"/>
           <p:nvPr/>
@@ -6841,6 +7952,267 @@
       </p:grpSpPr>
       <p:sp>
         <p:nvSpPr>
+          <p:cNvPr id="4" name="Rectangle 3">
+            <a:extLst>
+              <a:ext uri="{FF2B5EF4-FFF2-40B4-BE49-F238E27FC236}">
+                <a16:creationId xmlns:a16="http://schemas.microsoft.com/office/drawing/2014/main" id="{A4782139-EDEA-91BF-764A-DACB7D57A8ED}"/>
+              </a:ext>
+            </a:extLst>
+          </p:cNvPr>
+          <p:cNvSpPr/>
+          <p:nvPr/>
+        </p:nvSpPr>
+        <p:spPr>
+          <a:xfrm>
+            <a:off x="5991727" y="-1"/>
+            <a:ext cx="6229149" cy="6819499"/>
+          </a:xfrm>
+          <a:prstGeom prst="rect">
+            <a:avLst/>
+          </a:prstGeom>
+          <a:solidFill>
+            <a:schemeClr val="accent5">
+              <a:lumMod val="20000"/>
+              <a:lumOff val="80000"/>
+            </a:schemeClr>
+          </a:solidFill>
+        </p:spPr>
+        <p:style>
+          <a:lnRef idx="1">
+            <a:schemeClr val="accent1"/>
+          </a:lnRef>
+          <a:fillRef idx="3">
+            <a:schemeClr val="accent1"/>
+          </a:fillRef>
+          <a:effectRef idx="2">
+            <a:schemeClr val="accent1"/>
+          </a:effectRef>
+          <a:fontRef idx="minor">
+            <a:schemeClr val="lt1"/>
+          </a:fontRef>
+        </p:style>
+        <p:txBody>
+          <a:bodyPr rtlCol="0" anchor="ctr"/>
+          <a:lstStyle/>
+          <a:p>
+            <a:pPr algn="ctr"/>
+            <a:endParaRPr lang="en-IN"/>
+          </a:p>
+        </p:txBody>
+      </p:sp>
+      <p:sp>
+        <p:nvSpPr>
+          <p:cNvPr id="5" name="Rectangle 4">
+            <a:extLst>
+              <a:ext uri="{FF2B5EF4-FFF2-40B4-BE49-F238E27FC236}">
+                <a16:creationId xmlns:a16="http://schemas.microsoft.com/office/drawing/2014/main" id="{A5407C7B-8A2E-5AC8-C0CF-F55DAF9B5118}"/>
+              </a:ext>
+            </a:extLst>
+          </p:cNvPr>
+          <p:cNvSpPr/>
+          <p:nvPr/>
+        </p:nvSpPr>
+        <p:spPr>
+          <a:xfrm>
+            <a:off x="0" y="0"/>
+            <a:ext cx="5962851" cy="6819499"/>
+          </a:xfrm>
+          <a:prstGeom prst="rect">
+            <a:avLst/>
+          </a:prstGeom>
+          <a:solidFill>
+            <a:schemeClr val="accent6">
+              <a:lumMod val="20000"/>
+              <a:lumOff val="80000"/>
+            </a:schemeClr>
+          </a:solidFill>
+        </p:spPr>
+        <p:style>
+          <a:lnRef idx="1">
+            <a:schemeClr val="accent1"/>
+          </a:lnRef>
+          <a:fillRef idx="3">
+            <a:schemeClr val="accent1"/>
+          </a:fillRef>
+          <a:effectRef idx="2">
+            <a:schemeClr val="accent1"/>
+          </a:effectRef>
+          <a:fontRef idx="minor">
+            <a:schemeClr val="lt1"/>
+          </a:fontRef>
+        </p:style>
+        <p:txBody>
+          <a:bodyPr rtlCol="0" anchor="ctr"/>
+          <a:lstStyle/>
+          <a:p>
+            <a:pPr algn="ctr"/>
+            <a:endParaRPr lang="en-IN"/>
+          </a:p>
+        </p:txBody>
+      </p:sp>
+      <p:sp>
+        <p:nvSpPr>
+          <p:cNvPr id="6" name="Rectangle 5">
+            <a:extLst>
+              <a:ext uri="{FF2B5EF4-FFF2-40B4-BE49-F238E27FC236}">
+                <a16:creationId xmlns:a16="http://schemas.microsoft.com/office/drawing/2014/main" id="{A35A2D25-1F85-081B-FCCC-E2D35F124AB4}"/>
+              </a:ext>
+            </a:extLst>
+          </p:cNvPr>
+          <p:cNvSpPr/>
+          <p:nvPr/>
+        </p:nvSpPr>
+        <p:spPr>
+          <a:xfrm>
+            <a:off x="28876" y="7219"/>
+            <a:ext cx="12192000" cy="421105"/>
+          </a:xfrm>
+          <a:prstGeom prst="rect">
+            <a:avLst/>
+          </a:prstGeom>
+          <a:noFill/>
+          <a:ln>
+            <a:solidFill>
+              <a:schemeClr val="tx1"/>
+            </a:solidFill>
+            <a:prstDash val="sysDot"/>
+          </a:ln>
+        </p:spPr>
+        <p:style>
+          <a:lnRef idx="1">
+            <a:schemeClr val="accent1"/>
+          </a:lnRef>
+          <a:fillRef idx="3">
+            <a:schemeClr val="accent1"/>
+          </a:fillRef>
+          <a:effectRef idx="2">
+            <a:schemeClr val="accent1"/>
+          </a:effectRef>
+          <a:fontRef idx="minor">
+            <a:schemeClr val="lt1"/>
+          </a:fontRef>
+        </p:style>
+        <p:txBody>
+          <a:bodyPr rtlCol="0" anchor="ctr"/>
+          <a:lstStyle/>
+          <a:p>
+            <a:pPr algn="ctr"/>
+            <a:endParaRPr lang="en-IN"/>
+          </a:p>
+        </p:txBody>
+      </p:sp>
+      <p:sp>
+        <p:nvSpPr>
+          <p:cNvPr id="7" name="TextBox 6">
+            <a:extLst>
+              <a:ext uri="{FF2B5EF4-FFF2-40B4-BE49-F238E27FC236}">
+                <a16:creationId xmlns:a16="http://schemas.microsoft.com/office/drawing/2014/main" id="{AF33AB45-C1A8-7D99-9AA3-A3BEC1E191C1}"/>
+              </a:ext>
+            </a:extLst>
+          </p:cNvPr>
+          <p:cNvSpPr txBox="1"/>
+          <p:nvPr/>
+        </p:nvSpPr>
+        <p:spPr>
+          <a:xfrm>
+            <a:off x="43314" y="7219"/>
+            <a:ext cx="5933975" cy="369332"/>
+          </a:xfrm>
+          <a:prstGeom prst="rect">
+            <a:avLst/>
+          </a:prstGeom>
+          <a:solidFill>
+            <a:schemeClr val="accent6">
+              <a:lumMod val="20000"/>
+              <a:lumOff val="80000"/>
+            </a:schemeClr>
+          </a:solidFill>
+          <a:ln w="3175">
+            <a:solidFill>
+              <a:schemeClr val="accent6">
+                <a:lumMod val="20000"/>
+                <a:lumOff val="80000"/>
+              </a:schemeClr>
+            </a:solidFill>
+            <a:prstDash val="sysDot"/>
+          </a:ln>
+        </p:spPr>
+        <p:txBody>
+          <a:bodyPr wrap="square" rtlCol="0">
+            <a:spAutoFit/>
+          </a:bodyPr>
+          <a:lstStyle/>
+          <a:p>
+            <a:pPr algn="ctr"/>
+            <a:r>
+              <a:rPr lang="en-IN" dirty="0"/>
+              <a:t>Hiragana|</a:t>
+            </a:r>
+            <a:r>
+              <a:rPr lang="ja-JP" altLang="en-US" sz="1800" b="1" dirty="0"/>
+              <a:t> ひらがな</a:t>
+            </a:r>
+            <a:endParaRPr lang="en-IN" dirty="0"/>
+          </a:p>
+        </p:txBody>
+      </p:sp>
+      <p:sp>
+        <p:nvSpPr>
+          <p:cNvPr id="8" name="TextBox 7">
+            <a:extLst>
+              <a:ext uri="{FF2B5EF4-FFF2-40B4-BE49-F238E27FC236}">
+                <a16:creationId xmlns:a16="http://schemas.microsoft.com/office/drawing/2014/main" id="{478AADA5-7702-5525-240D-D4D678D54C43}"/>
+              </a:ext>
+            </a:extLst>
+          </p:cNvPr>
+          <p:cNvSpPr txBox="1"/>
+          <p:nvPr/>
+        </p:nvSpPr>
+        <p:spPr>
+          <a:xfrm>
+            <a:off x="5991727" y="0"/>
+            <a:ext cx="6229149" cy="369332"/>
+          </a:xfrm>
+          <a:prstGeom prst="rect">
+            <a:avLst/>
+          </a:prstGeom>
+          <a:solidFill>
+            <a:schemeClr val="accent5">
+              <a:lumMod val="20000"/>
+              <a:lumOff val="80000"/>
+            </a:schemeClr>
+          </a:solidFill>
+          <a:ln w="3175">
+            <a:solidFill>
+              <a:schemeClr val="accent6">
+                <a:lumMod val="20000"/>
+                <a:lumOff val="80000"/>
+              </a:schemeClr>
+            </a:solidFill>
+            <a:prstDash val="sysDot"/>
+          </a:ln>
+        </p:spPr>
+        <p:txBody>
+          <a:bodyPr wrap="square" rtlCol="0">
+            <a:spAutoFit/>
+          </a:bodyPr>
+          <a:lstStyle/>
+          <a:p>
+            <a:pPr algn="ctr"/>
+            <a:r>
+              <a:rPr lang="en-IN" dirty="0"/>
+              <a:t>Katakana|</a:t>
+            </a:r>
+            <a:r>
+              <a:rPr lang="ja-JP" altLang="en-US" sz="1800" b="1" dirty="0"/>
+              <a:t> カタカナ</a:t>
+            </a:r>
+            <a:endParaRPr lang="en-IN" dirty="0"/>
+          </a:p>
+        </p:txBody>
+      </p:sp>
+      <p:sp>
+        <p:nvSpPr>
           <p:cNvPr id="2" name="TextBox 1"/>
           <p:cNvSpPr txBox="1"/>
           <p:nvPr/>
@@ -6934,6 +8306,267 @@
       </p:grpSpPr>
       <p:sp>
         <p:nvSpPr>
+          <p:cNvPr id="4" name="Rectangle 3">
+            <a:extLst>
+              <a:ext uri="{FF2B5EF4-FFF2-40B4-BE49-F238E27FC236}">
+                <a16:creationId xmlns:a16="http://schemas.microsoft.com/office/drawing/2014/main" id="{46460038-C608-1800-E2A4-A39DB52957B2}"/>
+              </a:ext>
+            </a:extLst>
+          </p:cNvPr>
+          <p:cNvSpPr/>
+          <p:nvPr/>
+        </p:nvSpPr>
+        <p:spPr>
+          <a:xfrm>
+            <a:off x="5991727" y="-1"/>
+            <a:ext cx="6229149" cy="6819499"/>
+          </a:xfrm>
+          <a:prstGeom prst="rect">
+            <a:avLst/>
+          </a:prstGeom>
+          <a:solidFill>
+            <a:schemeClr val="accent5">
+              <a:lumMod val="20000"/>
+              <a:lumOff val="80000"/>
+            </a:schemeClr>
+          </a:solidFill>
+        </p:spPr>
+        <p:style>
+          <a:lnRef idx="1">
+            <a:schemeClr val="accent1"/>
+          </a:lnRef>
+          <a:fillRef idx="3">
+            <a:schemeClr val="accent1"/>
+          </a:fillRef>
+          <a:effectRef idx="2">
+            <a:schemeClr val="accent1"/>
+          </a:effectRef>
+          <a:fontRef idx="minor">
+            <a:schemeClr val="lt1"/>
+          </a:fontRef>
+        </p:style>
+        <p:txBody>
+          <a:bodyPr rtlCol="0" anchor="ctr"/>
+          <a:lstStyle/>
+          <a:p>
+            <a:pPr algn="ctr"/>
+            <a:endParaRPr lang="en-IN"/>
+          </a:p>
+        </p:txBody>
+      </p:sp>
+      <p:sp>
+        <p:nvSpPr>
+          <p:cNvPr id="5" name="Rectangle 4">
+            <a:extLst>
+              <a:ext uri="{FF2B5EF4-FFF2-40B4-BE49-F238E27FC236}">
+                <a16:creationId xmlns:a16="http://schemas.microsoft.com/office/drawing/2014/main" id="{59C20F0A-D555-BF01-9D1B-E7894E192D73}"/>
+              </a:ext>
+            </a:extLst>
+          </p:cNvPr>
+          <p:cNvSpPr/>
+          <p:nvPr/>
+        </p:nvSpPr>
+        <p:spPr>
+          <a:xfrm>
+            <a:off x="0" y="0"/>
+            <a:ext cx="5962851" cy="6819499"/>
+          </a:xfrm>
+          <a:prstGeom prst="rect">
+            <a:avLst/>
+          </a:prstGeom>
+          <a:solidFill>
+            <a:schemeClr val="accent6">
+              <a:lumMod val="20000"/>
+              <a:lumOff val="80000"/>
+            </a:schemeClr>
+          </a:solidFill>
+        </p:spPr>
+        <p:style>
+          <a:lnRef idx="1">
+            <a:schemeClr val="accent1"/>
+          </a:lnRef>
+          <a:fillRef idx="3">
+            <a:schemeClr val="accent1"/>
+          </a:fillRef>
+          <a:effectRef idx="2">
+            <a:schemeClr val="accent1"/>
+          </a:effectRef>
+          <a:fontRef idx="minor">
+            <a:schemeClr val="lt1"/>
+          </a:fontRef>
+        </p:style>
+        <p:txBody>
+          <a:bodyPr rtlCol="0" anchor="ctr"/>
+          <a:lstStyle/>
+          <a:p>
+            <a:pPr algn="ctr"/>
+            <a:endParaRPr lang="en-IN"/>
+          </a:p>
+        </p:txBody>
+      </p:sp>
+      <p:sp>
+        <p:nvSpPr>
+          <p:cNvPr id="6" name="Rectangle 5">
+            <a:extLst>
+              <a:ext uri="{FF2B5EF4-FFF2-40B4-BE49-F238E27FC236}">
+                <a16:creationId xmlns:a16="http://schemas.microsoft.com/office/drawing/2014/main" id="{C510CA2C-E59E-F9BB-0B7E-B2C60B2043AE}"/>
+              </a:ext>
+            </a:extLst>
+          </p:cNvPr>
+          <p:cNvSpPr/>
+          <p:nvPr/>
+        </p:nvSpPr>
+        <p:spPr>
+          <a:xfrm>
+            <a:off x="28876" y="7219"/>
+            <a:ext cx="12192000" cy="421105"/>
+          </a:xfrm>
+          <a:prstGeom prst="rect">
+            <a:avLst/>
+          </a:prstGeom>
+          <a:noFill/>
+          <a:ln>
+            <a:solidFill>
+              <a:schemeClr val="tx1"/>
+            </a:solidFill>
+            <a:prstDash val="sysDot"/>
+          </a:ln>
+        </p:spPr>
+        <p:style>
+          <a:lnRef idx="1">
+            <a:schemeClr val="accent1"/>
+          </a:lnRef>
+          <a:fillRef idx="3">
+            <a:schemeClr val="accent1"/>
+          </a:fillRef>
+          <a:effectRef idx="2">
+            <a:schemeClr val="accent1"/>
+          </a:effectRef>
+          <a:fontRef idx="minor">
+            <a:schemeClr val="lt1"/>
+          </a:fontRef>
+        </p:style>
+        <p:txBody>
+          <a:bodyPr rtlCol="0" anchor="ctr"/>
+          <a:lstStyle/>
+          <a:p>
+            <a:pPr algn="ctr"/>
+            <a:endParaRPr lang="en-IN"/>
+          </a:p>
+        </p:txBody>
+      </p:sp>
+      <p:sp>
+        <p:nvSpPr>
+          <p:cNvPr id="7" name="TextBox 6">
+            <a:extLst>
+              <a:ext uri="{FF2B5EF4-FFF2-40B4-BE49-F238E27FC236}">
+                <a16:creationId xmlns:a16="http://schemas.microsoft.com/office/drawing/2014/main" id="{093B0FD7-CE88-E023-AA39-7309BCC7D4DA}"/>
+              </a:ext>
+            </a:extLst>
+          </p:cNvPr>
+          <p:cNvSpPr txBox="1"/>
+          <p:nvPr/>
+        </p:nvSpPr>
+        <p:spPr>
+          <a:xfrm>
+            <a:off x="43314" y="7219"/>
+            <a:ext cx="5933975" cy="369332"/>
+          </a:xfrm>
+          <a:prstGeom prst="rect">
+            <a:avLst/>
+          </a:prstGeom>
+          <a:solidFill>
+            <a:schemeClr val="accent6">
+              <a:lumMod val="20000"/>
+              <a:lumOff val="80000"/>
+            </a:schemeClr>
+          </a:solidFill>
+          <a:ln w="3175">
+            <a:solidFill>
+              <a:schemeClr val="accent6">
+                <a:lumMod val="20000"/>
+                <a:lumOff val="80000"/>
+              </a:schemeClr>
+            </a:solidFill>
+            <a:prstDash val="sysDot"/>
+          </a:ln>
+        </p:spPr>
+        <p:txBody>
+          <a:bodyPr wrap="square" rtlCol="0">
+            <a:spAutoFit/>
+          </a:bodyPr>
+          <a:lstStyle/>
+          <a:p>
+            <a:pPr algn="ctr"/>
+            <a:r>
+              <a:rPr lang="en-IN" dirty="0"/>
+              <a:t>Hiragana|</a:t>
+            </a:r>
+            <a:r>
+              <a:rPr lang="ja-JP" altLang="en-US" sz="1800" b="1" dirty="0"/>
+              <a:t> ひらがな</a:t>
+            </a:r>
+            <a:endParaRPr lang="en-IN" dirty="0"/>
+          </a:p>
+        </p:txBody>
+      </p:sp>
+      <p:sp>
+        <p:nvSpPr>
+          <p:cNvPr id="8" name="TextBox 7">
+            <a:extLst>
+              <a:ext uri="{FF2B5EF4-FFF2-40B4-BE49-F238E27FC236}">
+                <a16:creationId xmlns:a16="http://schemas.microsoft.com/office/drawing/2014/main" id="{924884B6-2118-43D0-B42F-10A3C7995B27}"/>
+              </a:ext>
+            </a:extLst>
+          </p:cNvPr>
+          <p:cNvSpPr txBox="1"/>
+          <p:nvPr/>
+        </p:nvSpPr>
+        <p:spPr>
+          <a:xfrm>
+            <a:off x="5991727" y="0"/>
+            <a:ext cx="6229149" cy="369332"/>
+          </a:xfrm>
+          <a:prstGeom prst="rect">
+            <a:avLst/>
+          </a:prstGeom>
+          <a:solidFill>
+            <a:schemeClr val="accent5">
+              <a:lumMod val="20000"/>
+              <a:lumOff val="80000"/>
+            </a:schemeClr>
+          </a:solidFill>
+          <a:ln w="3175">
+            <a:solidFill>
+              <a:schemeClr val="accent6">
+                <a:lumMod val="20000"/>
+                <a:lumOff val="80000"/>
+              </a:schemeClr>
+            </a:solidFill>
+            <a:prstDash val="sysDot"/>
+          </a:ln>
+        </p:spPr>
+        <p:txBody>
+          <a:bodyPr wrap="square" rtlCol="0">
+            <a:spAutoFit/>
+          </a:bodyPr>
+          <a:lstStyle/>
+          <a:p>
+            <a:pPr algn="ctr"/>
+            <a:r>
+              <a:rPr lang="en-IN" dirty="0"/>
+              <a:t>Katakana|</a:t>
+            </a:r>
+            <a:r>
+              <a:rPr lang="ja-JP" altLang="en-US" sz="1800" b="1" dirty="0"/>
+              <a:t> カタカナ</a:t>
+            </a:r>
+            <a:endParaRPr lang="en-IN" dirty="0"/>
+          </a:p>
+        </p:txBody>
+      </p:sp>
+      <p:sp>
+        <p:nvSpPr>
           <p:cNvPr id="2" name="TextBox 1"/>
           <p:cNvSpPr txBox="1"/>
           <p:nvPr/>
@@ -7027,6 +8660,267 @@
       </p:grpSpPr>
       <p:sp>
         <p:nvSpPr>
+          <p:cNvPr id="4" name="Rectangle 3">
+            <a:extLst>
+              <a:ext uri="{FF2B5EF4-FFF2-40B4-BE49-F238E27FC236}">
+                <a16:creationId xmlns:a16="http://schemas.microsoft.com/office/drawing/2014/main" id="{F6F5C94C-18CE-B0A1-E4EB-818F6AE31258}"/>
+              </a:ext>
+            </a:extLst>
+          </p:cNvPr>
+          <p:cNvSpPr/>
+          <p:nvPr/>
+        </p:nvSpPr>
+        <p:spPr>
+          <a:xfrm>
+            <a:off x="5991727" y="-1"/>
+            <a:ext cx="6229149" cy="6819499"/>
+          </a:xfrm>
+          <a:prstGeom prst="rect">
+            <a:avLst/>
+          </a:prstGeom>
+          <a:solidFill>
+            <a:schemeClr val="accent5">
+              <a:lumMod val="20000"/>
+              <a:lumOff val="80000"/>
+            </a:schemeClr>
+          </a:solidFill>
+        </p:spPr>
+        <p:style>
+          <a:lnRef idx="1">
+            <a:schemeClr val="accent1"/>
+          </a:lnRef>
+          <a:fillRef idx="3">
+            <a:schemeClr val="accent1"/>
+          </a:fillRef>
+          <a:effectRef idx="2">
+            <a:schemeClr val="accent1"/>
+          </a:effectRef>
+          <a:fontRef idx="minor">
+            <a:schemeClr val="lt1"/>
+          </a:fontRef>
+        </p:style>
+        <p:txBody>
+          <a:bodyPr rtlCol="0" anchor="ctr"/>
+          <a:lstStyle/>
+          <a:p>
+            <a:pPr algn="ctr"/>
+            <a:endParaRPr lang="en-IN"/>
+          </a:p>
+        </p:txBody>
+      </p:sp>
+      <p:sp>
+        <p:nvSpPr>
+          <p:cNvPr id="5" name="Rectangle 4">
+            <a:extLst>
+              <a:ext uri="{FF2B5EF4-FFF2-40B4-BE49-F238E27FC236}">
+                <a16:creationId xmlns:a16="http://schemas.microsoft.com/office/drawing/2014/main" id="{33A00534-8B9B-A698-0B5A-AE9501D217E1}"/>
+              </a:ext>
+            </a:extLst>
+          </p:cNvPr>
+          <p:cNvSpPr/>
+          <p:nvPr/>
+        </p:nvSpPr>
+        <p:spPr>
+          <a:xfrm>
+            <a:off x="0" y="0"/>
+            <a:ext cx="5962851" cy="6819499"/>
+          </a:xfrm>
+          <a:prstGeom prst="rect">
+            <a:avLst/>
+          </a:prstGeom>
+          <a:solidFill>
+            <a:schemeClr val="accent6">
+              <a:lumMod val="20000"/>
+              <a:lumOff val="80000"/>
+            </a:schemeClr>
+          </a:solidFill>
+        </p:spPr>
+        <p:style>
+          <a:lnRef idx="1">
+            <a:schemeClr val="accent1"/>
+          </a:lnRef>
+          <a:fillRef idx="3">
+            <a:schemeClr val="accent1"/>
+          </a:fillRef>
+          <a:effectRef idx="2">
+            <a:schemeClr val="accent1"/>
+          </a:effectRef>
+          <a:fontRef idx="minor">
+            <a:schemeClr val="lt1"/>
+          </a:fontRef>
+        </p:style>
+        <p:txBody>
+          <a:bodyPr rtlCol="0" anchor="ctr"/>
+          <a:lstStyle/>
+          <a:p>
+            <a:pPr algn="ctr"/>
+            <a:endParaRPr lang="en-IN"/>
+          </a:p>
+        </p:txBody>
+      </p:sp>
+      <p:sp>
+        <p:nvSpPr>
+          <p:cNvPr id="6" name="Rectangle 5">
+            <a:extLst>
+              <a:ext uri="{FF2B5EF4-FFF2-40B4-BE49-F238E27FC236}">
+                <a16:creationId xmlns:a16="http://schemas.microsoft.com/office/drawing/2014/main" id="{4778E2A2-3FB9-AA25-85E6-B61906238487}"/>
+              </a:ext>
+            </a:extLst>
+          </p:cNvPr>
+          <p:cNvSpPr/>
+          <p:nvPr/>
+        </p:nvSpPr>
+        <p:spPr>
+          <a:xfrm>
+            <a:off x="28876" y="7219"/>
+            <a:ext cx="12192000" cy="421105"/>
+          </a:xfrm>
+          <a:prstGeom prst="rect">
+            <a:avLst/>
+          </a:prstGeom>
+          <a:noFill/>
+          <a:ln>
+            <a:solidFill>
+              <a:schemeClr val="tx1"/>
+            </a:solidFill>
+            <a:prstDash val="sysDot"/>
+          </a:ln>
+        </p:spPr>
+        <p:style>
+          <a:lnRef idx="1">
+            <a:schemeClr val="accent1"/>
+          </a:lnRef>
+          <a:fillRef idx="3">
+            <a:schemeClr val="accent1"/>
+          </a:fillRef>
+          <a:effectRef idx="2">
+            <a:schemeClr val="accent1"/>
+          </a:effectRef>
+          <a:fontRef idx="minor">
+            <a:schemeClr val="lt1"/>
+          </a:fontRef>
+        </p:style>
+        <p:txBody>
+          <a:bodyPr rtlCol="0" anchor="ctr"/>
+          <a:lstStyle/>
+          <a:p>
+            <a:pPr algn="ctr"/>
+            <a:endParaRPr lang="en-IN"/>
+          </a:p>
+        </p:txBody>
+      </p:sp>
+      <p:sp>
+        <p:nvSpPr>
+          <p:cNvPr id="7" name="TextBox 6">
+            <a:extLst>
+              <a:ext uri="{FF2B5EF4-FFF2-40B4-BE49-F238E27FC236}">
+                <a16:creationId xmlns:a16="http://schemas.microsoft.com/office/drawing/2014/main" id="{423DC4DF-415E-882E-81B0-FFA2EE41BB4C}"/>
+              </a:ext>
+            </a:extLst>
+          </p:cNvPr>
+          <p:cNvSpPr txBox="1"/>
+          <p:nvPr/>
+        </p:nvSpPr>
+        <p:spPr>
+          <a:xfrm>
+            <a:off x="43314" y="7219"/>
+            <a:ext cx="5933975" cy="369332"/>
+          </a:xfrm>
+          <a:prstGeom prst="rect">
+            <a:avLst/>
+          </a:prstGeom>
+          <a:solidFill>
+            <a:schemeClr val="accent6">
+              <a:lumMod val="20000"/>
+              <a:lumOff val="80000"/>
+            </a:schemeClr>
+          </a:solidFill>
+          <a:ln w="3175">
+            <a:solidFill>
+              <a:schemeClr val="accent6">
+                <a:lumMod val="20000"/>
+                <a:lumOff val="80000"/>
+              </a:schemeClr>
+            </a:solidFill>
+            <a:prstDash val="sysDot"/>
+          </a:ln>
+        </p:spPr>
+        <p:txBody>
+          <a:bodyPr wrap="square" rtlCol="0">
+            <a:spAutoFit/>
+          </a:bodyPr>
+          <a:lstStyle/>
+          <a:p>
+            <a:pPr algn="ctr"/>
+            <a:r>
+              <a:rPr lang="en-IN" dirty="0"/>
+              <a:t>Hiragana|</a:t>
+            </a:r>
+            <a:r>
+              <a:rPr lang="ja-JP" altLang="en-US" sz="1800" b="1" dirty="0"/>
+              <a:t> ひらがな</a:t>
+            </a:r>
+            <a:endParaRPr lang="en-IN" dirty="0"/>
+          </a:p>
+        </p:txBody>
+      </p:sp>
+      <p:sp>
+        <p:nvSpPr>
+          <p:cNvPr id="8" name="TextBox 7">
+            <a:extLst>
+              <a:ext uri="{FF2B5EF4-FFF2-40B4-BE49-F238E27FC236}">
+                <a16:creationId xmlns:a16="http://schemas.microsoft.com/office/drawing/2014/main" id="{17D634D2-C617-7986-6638-A6EEE52F3382}"/>
+              </a:ext>
+            </a:extLst>
+          </p:cNvPr>
+          <p:cNvSpPr txBox="1"/>
+          <p:nvPr/>
+        </p:nvSpPr>
+        <p:spPr>
+          <a:xfrm>
+            <a:off x="5991727" y="0"/>
+            <a:ext cx="6229149" cy="369332"/>
+          </a:xfrm>
+          <a:prstGeom prst="rect">
+            <a:avLst/>
+          </a:prstGeom>
+          <a:solidFill>
+            <a:schemeClr val="accent5">
+              <a:lumMod val="20000"/>
+              <a:lumOff val="80000"/>
+            </a:schemeClr>
+          </a:solidFill>
+          <a:ln w="3175">
+            <a:solidFill>
+              <a:schemeClr val="accent6">
+                <a:lumMod val="20000"/>
+                <a:lumOff val="80000"/>
+              </a:schemeClr>
+            </a:solidFill>
+            <a:prstDash val="sysDot"/>
+          </a:ln>
+        </p:spPr>
+        <p:txBody>
+          <a:bodyPr wrap="square" rtlCol="0">
+            <a:spAutoFit/>
+          </a:bodyPr>
+          <a:lstStyle/>
+          <a:p>
+            <a:pPr algn="ctr"/>
+            <a:r>
+              <a:rPr lang="en-IN" dirty="0"/>
+              <a:t>Katakana|</a:t>
+            </a:r>
+            <a:r>
+              <a:rPr lang="ja-JP" altLang="en-US" sz="1800" b="1" dirty="0"/>
+              <a:t> カタカナ</a:t>
+            </a:r>
+            <a:endParaRPr lang="en-IN" dirty="0"/>
+          </a:p>
+        </p:txBody>
+      </p:sp>
+      <p:sp>
+        <p:nvSpPr>
           <p:cNvPr id="2" name="TextBox 1"/>
           <p:cNvSpPr txBox="1"/>
           <p:nvPr/>
@@ -7220,8 +9114,8 @@
         </p:nvSpPr>
         <p:spPr>
           <a:xfrm>
-            <a:off x="673768" y="-30480"/>
-            <a:ext cx="10058400" cy="457200"/>
+            <a:off x="640080" y="457200"/>
+            <a:ext cx="5029200" cy="457200"/>
           </a:xfrm>
           <a:prstGeom prst="rect">
             <a:avLst/>
@@ -7236,16 +9130,8 @@
           <a:p>
             <a:pPr algn="ctr"/>
             <a:r>
-              <a:rPr sz="3800" b="1" dirty="0"/>
-              <a:t>Katakana (</a:t>
-            </a:r>
-            <a:r>
-              <a:rPr sz="3800" b="1" dirty="0" err="1"/>
-              <a:t>カタカナ</a:t>
-            </a:r>
-            <a:r>
-              <a:rPr sz="3800" b="1" dirty="0"/>
-              <a:t>) Overview</a:t>
+              <a:rPr sz="3800" b="1"/>
+              <a:t>Hiragana Dakuten/Handakuten</a:t>
             </a:r>
           </a:p>
         </p:txBody>
@@ -7256,17 +9142,11 @@
           <p:cNvGraphicFramePr>
             <a:graphicFrameLocks noGrp="1"/>
           </p:cNvGraphicFramePr>
-          <p:nvPr>
-            <p:extLst>
-              <p:ext uri="{D42A27DB-BD31-4B8C-83A1-F6EECF244321}">
-                <p14:modId xmlns:p14="http://schemas.microsoft.com/office/powerpoint/2010/main" val="194881134"/>
-              </p:ext>
-            </p:extLst>
-          </p:nvPr>
+          <p:nvPr/>
         </p:nvGraphicFramePr>
         <p:xfrm>
-          <a:off x="283945" y="760396"/>
-          <a:ext cx="11733200" cy="5547360"/>
+          <a:off x="640080" y="1097280"/>
+          <a:ext cx="5029200" cy="6400800"/>
         </p:xfrm>
         <a:graphic>
           <a:graphicData uri="http://schemas.openxmlformats.org/drawingml/2006/table">
@@ -7275,73 +9155,38 @@
                 <a:tableStyleId>{5C22544A-7EE6-4342-B048-85BDC9FD1C3A}</a:tableStyleId>
               </a:tblPr>
               <a:tblGrid>
-                <a:gridCol w="1173320">
+                <a:gridCol w="1005840">
                   <a:extLst>
                     <a:ext uri="{9D8B030D-6E8A-4147-A177-3AD203B41FA5}">
                       <a16:colId xmlns:a16="http://schemas.microsoft.com/office/drawing/2014/main" val="20000"/>
                     </a:ext>
                   </a:extLst>
                 </a:gridCol>
-                <a:gridCol w="1173320">
+                <a:gridCol w="1005840">
                   <a:extLst>
                     <a:ext uri="{9D8B030D-6E8A-4147-A177-3AD203B41FA5}">
                       <a16:colId xmlns:a16="http://schemas.microsoft.com/office/drawing/2014/main" val="20001"/>
                     </a:ext>
                   </a:extLst>
                 </a:gridCol>
-                <a:gridCol w="1173320">
+                <a:gridCol w="1005840">
                   <a:extLst>
                     <a:ext uri="{9D8B030D-6E8A-4147-A177-3AD203B41FA5}">
                       <a16:colId xmlns:a16="http://schemas.microsoft.com/office/drawing/2014/main" val="20002"/>
                     </a:ext>
                   </a:extLst>
                 </a:gridCol>
-                <a:gridCol w="1173320">
+                <a:gridCol w="1005840">
                   <a:extLst>
                     <a:ext uri="{9D8B030D-6E8A-4147-A177-3AD203B41FA5}">
                       <a16:colId xmlns:a16="http://schemas.microsoft.com/office/drawing/2014/main" val="20003"/>
                     </a:ext>
                   </a:extLst>
                 </a:gridCol>
-                <a:gridCol w="1173320">
+                <a:gridCol w="1005840">
                   <a:extLst>
                     <a:ext uri="{9D8B030D-6E8A-4147-A177-3AD203B41FA5}">
                       <a16:colId xmlns:a16="http://schemas.microsoft.com/office/drawing/2014/main" val="20004"/>
-                    </a:ext>
-                  </a:extLst>
-                </a:gridCol>
-                <a:gridCol w="1173320">
-                  <a:extLst>
-                    <a:ext uri="{9D8B030D-6E8A-4147-A177-3AD203B41FA5}">
-                      <a16:colId xmlns:a16="http://schemas.microsoft.com/office/drawing/2014/main" val="20005"/>
-                    </a:ext>
-                  </a:extLst>
-                </a:gridCol>
-                <a:gridCol w="1173320">
-                  <a:extLst>
-                    <a:ext uri="{9D8B030D-6E8A-4147-A177-3AD203B41FA5}">
-                      <a16:colId xmlns:a16="http://schemas.microsoft.com/office/drawing/2014/main" val="20006"/>
-                    </a:ext>
-                  </a:extLst>
-                </a:gridCol>
-                <a:gridCol w="1173320">
-                  <a:extLst>
-                    <a:ext uri="{9D8B030D-6E8A-4147-A177-3AD203B41FA5}">
-                      <a16:colId xmlns:a16="http://schemas.microsoft.com/office/drawing/2014/main" val="20007"/>
-                    </a:ext>
-                  </a:extLst>
-                </a:gridCol>
-                <a:gridCol w="1173320">
-                  <a:extLst>
-                    <a:ext uri="{9D8B030D-6E8A-4147-A177-3AD203B41FA5}">
-                      <a16:colId xmlns:a16="http://schemas.microsoft.com/office/drawing/2014/main" val="20008"/>
-                    </a:ext>
-                  </a:extLst>
-                </a:gridCol>
-                <a:gridCol w="1173320">
-                  <a:extLst>
-                    <a:ext uri="{9D8B030D-6E8A-4147-A177-3AD203B41FA5}">
-                      <a16:colId xmlns:a16="http://schemas.microsoft.com/office/drawing/2014/main" val="20009"/>
                     </a:ext>
                   </a:extLst>
                 </a:gridCol>
@@ -7358,14 +9203,14 @@
                       <a:pPr algn="ctr"/>
                       <a:r>
                         <a:rPr sz="3200" b="1"/>
-                        <a:t>ア</a:t>
+                        <a:t>が</a:t>
                       </a:r>
                     </a:p>
                     <a:p>
                       <a:pPr algn="ctr"/>
                       <a:r>
                         <a:rPr sz="1400" b="0"/>
-                        <a:t>A  |  அ</a:t>
+                        <a:t>Ga  |  க</a:t>
                       </a:r>
                     </a:p>
                   </a:txBody>
@@ -7382,14 +9227,14 @@
                       <a:pPr algn="ctr"/>
                       <a:r>
                         <a:rPr sz="3200" b="1"/>
-                        <a:t>カ</a:t>
+                        <a:t>ぎ</a:t>
                       </a:r>
                     </a:p>
                     <a:p>
                       <a:pPr algn="ctr"/>
                       <a:r>
                         <a:rPr sz="1400" b="0"/>
-                        <a:t>Ka  |  க</a:t>
+                        <a:t>Gi  |  கி</a:t>
                       </a:r>
                     </a:p>
                   </a:txBody>
@@ -7406,14 +9251,14 @@
                       <a:pPr algn="ctr"/>
                       <a:r>
                         <a:rPr sz="3200" b="1"/>
-                        <a:t>サ</a:t>
+                        <a:t>ぐ</a:t>
                       </a:r>
                     </a:p>
                     <a:p>
                       <a:pPr algn="ctr"/>
                       <a:r>
                         <a:rPr sz="1400" b="0"/>
-                        <a:t>Sa  |  ச</a:t>
+                        <a:t>Gu  |  கு</a:t>
                       </a:r>
                     </a:p>
                   </a:txBody>
@@ -7430,14 +9275,14 @@
                       <a:pPr algn="ctr"/>
                       <a:r>
                         <a:rPr sz="3200" b="1"/>
-                        <a:t>タ</a:t>
+                        <a:t>げ</a:t>
                       </a:r>
                     </a:p>
                     <a:p>
                       <a:pPr algn="ctr"/>
                       <a:r>
                         <a:rPr sz="1400" b="0"/>
-                        <a:t>Ta  |  த</a:t>
+                        <a:t>Ge  |  கே</a:t>
                       </a:r>
                     </a:p>
                   </a:txBody>
@@ -7454,134 +9299,14 @@
                       <a:pPr algn="ctr"/>
                       <a:r>
                         <a:rPr sz="3200" b="1"/>
-                        <a:t>ナ</a:t>
+                        <a:t>ご</a:t>
                       </a:r>
                     </a:p>
                     <a:p>
                       <a:pPr algn="ctr"/>
                       <a:r>
                         <a:rPr sz="1400" b="0"/>
-                        <a:t>Na  |  ந</a:t>
-                      </a:r>
-                    </a:p>
-                  </a:txBody>
-                  <a:tcPr/>
-                </a:tc>
-                <a:tc>
-                  <a:txBody>
-                    <a:bodyPr/>
-                    <a:lstStyle/>
-                    <a:p>
-                      <a:endParaRPr/>
-                    </a:p>
-                    <a:p>
-                      <a:pPr algn="ctr"/>
-                      <a:r>
-                        <a:rPr sz="3200" b="1"/>
-                        <a:t>ハ</a:t>
-                      </a:r>
-                    </a:p>
-                    <a:p>
-                      <a:pPr algn="ctr"/>
-                      <a:r>
-                        <a:rPr sz="1400" b="0"/>
-                        <a:t>Ha  |  ஹ</a:t>
-                      </a:r>
-                    </a:p>
-                  </a:txBody>
-                  <a:tcPr/>
-                </a:tc>
-                <a:tc>
-                  <a:txBody>
-                    <a:bodyPr/>
-                    <a:lstStyle/>
-                    <a:p>
-                      <a:endParaRPr dirty="0"/>
-                    </a:p>
-                    <a:p>
-                      <a:pPr algn="ctr"/>
-                      <a:r>
-                        <a:rPr sz="3200" b="1" dirty="0"/>
-                        <a:t>マ</a:t>
-                      </a:r>
-                    </a:p>
-                    <a:p>
-                      <a:pPr algn="ctr"/>
-                      <a:r>
-                        <a:rPr sz="1400" b="0" dirty="0"/>
-                        <a:t>Ma  |  ம</a:t>
-                      </a:r>
-                    </a:p>
-                  </a:txBody>
-                  <a:tcPr/>
-                </a:tc>
-                <a:tc>
-                  <a:txBody>
-                    <a:bodyPr/>
-                    <a:lstStyle/>
-                    <a:p>
-                      <a:endParaRPr/>
-                    </a:p>
-                    <a:p>
-                      <a:pPr algn="ctr"/>
-                      <a:r>
-                        <a:rPr sz="3200" b="1"/>
-                        <a:t>ヤ</a:t>
-                      </a:r>
-                    </a:p>
-                    <a:p>
-                      <a:pPr algn="ctr"/>
-                      <a:r>
-                        <a:rPr sz="1400" b="0"/>
-                        <a:t>Ya  |  ய</a:t>
-                      </a:r>
-                    </a:p>
-                  </a:txBody>
-                  <a:tcPr/>
-                </a:tc>
-                <a:tc>
-                  <a:txBody>
-                    <a:bodyPr/>
-                    <a:lstStyle/>
-                    <a:p>
-                      <a:endParaRPr/>
-                    </a:p>
-                    <a:p>
-                      <a:pPr algn="ctr"/>
-                      <a:r>
-                        <a:rPr sz="3200" b="1"/>
-                        <a:t>ラ</a:t>
-                      </a:r>
-                    </a:p>
-                    <a:p>
-                      <a:pPr algn="ctr"/>
-                      <a:r>
-                        <a:rPr sz="1400" b="0"/>
-                        <a:t>Ra  |  ற</a:t>
-                      </a:r>
-                    </a:p>
-                  </a:txBody>
-                  <a:tcPr/>
-                </a:tc>
-                <a:tc>
-                  <a:txBody>
-                    <a:bodyPr/>
-                    <a:lstStyle/>
-                    <a:p>
-                      <a:endParaRPr/>
-                    </a:p>
-                    <a:p>
-                      <a:pPr algn="ctr"/>
-                      <a:r>
-                        <a:rPr sz="3200" b="1"/>
-                        <a:t>ワ</a:t>
-                      </a:r>
-                    </a:p>
-                    <a:p>
-                      <a:pPr algn="ctr"/>
-                      <a:r>
-                        <a:rPr sz="1400" b="0"/>
-                        <a:t>Wa  |  வ</a:t>
+                        <a:t>Go  |  கொ</a:t>
                       </a:r>
                     </a:p>
                   </a:txBody>
@@ -7605,14 +9330,14 @@
                       <a:pPr algn="ctr"/>
                       <a:r>
                         <a:rPr sz="3200" b="1"/>
-                        <a:t>イ</a:t>
+                        <a:t>ざ</a:t>
                       </a:r>
                     </a:p>
                     <a:p>
                       <a:pPr algn="ctr"/>
                       <a:r>
                         <a:rPr sz="1400" b="0"/>
-                        <a:t>I  |  இ</a:t>
+                        <a:t>Za  |  ச</a:t>
                       </a:r>
                     </a:p>
                   </a:txBody>
@@ -7629,14 +9354,14 @@
                       <a:pPr algn="ctr"/>
                       <a:r>
                         <a:rPr sz="3200" b="1"/>
-                        <a:t>キ</a:t>
+                        <a:t>じ</a:t>
                       </a:r>
                     </a:p>
                     <a:p>
                       <a:pPr algn="ctr"/>
                       <a:r>
                         <a:rPr sz="1400" b="0"/>
-                        <a:t>Ki  |  கி</a:t>
+                        <a:t>Ji  |  சி</a:t>
                       </a:r>
                     </a:p>
                   </a:txBody>
@@ -7653,14 +9378,14 @@
                       <a:pPr algn="ctr"/>
                       <a:r>
                         <a:rPr sz="3200" b="1"/>
-                        <a:t>シ</a:t>
+                        <a:t>ず</a:t>
                       </a:r>
                     </a:p>
                     <a:p>
                       <a:pPr algn="ctr"/>
                       <a:r>
                         <a:rPr sz="1400" b="0"/>
-                        <a:t>Shi  |  சி</a:t>
+                        <a:t>Zu  |  சு</a:t>
                       </a:r>
                     </a:p>
                   </a:txBody>
@@ -7677,14 +9402,14 @@
                       <a:pPr algn="ctr"/>
                       <a:r>
                         <a:rPr sz="3200" b="1"/>
-                        <a:t>チ</a:t>
+                        <a:t>ぜ</a:t>
                       </a:r>
                     </a:p>
                     <a:p>
                       <a:pPr algn="ctr"/>
                       <a:r>
                         <a:rPr sz="1400" b="0"/>
-                        <a:t>Chi  |  தி</a:t>
+                        <a:t>Ze  |  செ</a:t>
                       </a:r>
                     </a:p>
                   </a:txBody>
@@ -7701,107 +9426,15 @@
                       <a:pPr algn="ctr"/>
                       <a:r>
                         <a:rPr sz="3200" b="1"/>
-                        <a:t>ニ</a:t>
+                        <a:t>ぞ</a:t>
                       </a:r>
                     </a:p>
                     <a:p>
                       <a:pPr algn="ctr"/>
                       <a:r>
                         <a:rPr sz="1400" b="0"/>
-                        <a:t>Ni  |  நி</a:t>
-                      </a:r>
-                    </a:p>
-                  </a:txBody>
-                  <a:tcPr/>
-                </a:tc>
-                <a:tc>
-                  <a:txBody>
-                    <a:bodyPr/>
-                    <a:lstStyle/>
-                    <a:p>
-                      <a:endParaRPr/>
-                    </a:p>
-                    <a:p>
-                      <a:pPr algn="ctr"/>
-                      <a:r>
-                        <a:rPr sz="3200" b="1"/>
-                        <a:t>ヒ</a:t>
-                      </a:r>
-                    </a:p>
-                    <a:p>
-                      <a:pPr algn="ctr"/>
-                      <a:r>
-                        <a:rPr sz="1400" b="0"/>
-                        <a:t>Hi  |  ஹி</a:t>
-                      </a:r>
-                    </a:p>
-                  </a:txBody>
-                  <a:tcPr/>
-                </a:tc>
-                <a:tc>
-                  <a:txBody>
-                    <a:bodyPr/>
-                    <a:lstStyle/>
-                    <a:p>
-                      <a:endParaRPr/>
-                    </a:p>
-                    <a:p>
-                      <a:pPr algn="ctr"/>
-                      <a:r>
-                        <a:rPr sz="3200" b="1"/>
-                        <a:t>ミ</a:t>
-                      </a:r>
-                    </a:p>
-                    <a:p>
-                      <a:pPr algn="ctr"/>
-                      <a:r>
-                        <a:rPr sz="1400" b="0"/>
-                        <a:t>Mi  |  மி</a:t>
-                      </a:r>
-                    </a:p>
-                  </a:txBody>
-                  <a:tcPr/>
-                </a:tc>
-                <a:tc>
-                  <a:txBody>
-                    <a:bodyPr/>
-                    <a:lstStyle/>
-                    <a:p>
-                      <a:endParaRPr/>
-                    </a:p>
-                  </a:txBody>
-                  <a:tcPr/>
-                </a:tc>
-                <a:tc>
-                  <a:txBody>
-                    <a:bodyPr/>
-                    <a:lstStyle/>
-                    <a:p>
-                      <a:endParaRPr/>
-                    </a:p>
-                    <a:p>
-                      <a:pPr algn="ctr"/>
-                      <a:r>
-                        <a:rPr sz="3200" b="1"/>
-                        <a:t>リ</a:t>
-                      </a:r>
-                    </a:p>
-                    <a:p>
-                      <a:pPr algn="ctr"/>
-                      <a:r>
-                        <a:rPr sz="1400" b="0"/>
-                        <a:t>Ri  |  றி</a:t>
-                      </a:r>
-                    </a:p>
-                  </a:txBody>
-                  <a:tcPr/>
-                </a:tc>
-                <a:tc>
-                  <a:txBody>
-                    <a:bodyPr/>
-                    <a:lstStyle/>
-                    <a:p>
-                      <a:endParaRPr/>
+                        <a:t>Zo  |  சொ</a:t>
+                      </a:r>
                     </a:p>
                   </a:txBody>
                   <a:tcPr/>
@@ -7824,14 +9457,14 @@
                       <a:pPr algn="ctr"/>
                       <a:r>
                         <a:rPr sz="3200" b="1"/>
-                        <a:t>ウ</a:t>
+                        <a:t>だ</a:t>
                       </a:r>
                     </a:p>
                     <a:p>
                       <a:pPr algn="ctr"/>
                       <a:r>
                         <a:rPr sz="1400" b="0"/>
-                        <a:t>U  |  உ</a:t>
+                        <a:t>Da  |  த</a:t>
                       </a:r>
                     </a:p>
                   </a:txBody>
@@ -7848,14 +9481,14 @@
                       <a:pPr algn="ctr"/>
                       <a:r>
                         <a:rPr sz="3200" b="1"/>
-                        <a:t>ク</a:t>
+                        <a:t>ぢ</a:t>
                       </a:r>
                     </a:p>
                     <a:p>
                       <a:pPr algn="ctr"/>
                       <a:r>
                         <a:rPr sz="1400" b="0"/>
-                        <a:t>Ku  |  கு</a:t>
+                        <a:t>Ji  |  தி</a:t>
                       </a:r>
                     </a:p>
                   </a:txBody>
@@ -7872,14 +9505,14 @@
                       <a:pPr algn="ctr"/>
                       <a:r>
                         <a:rPr sz="3200" b="1"/>
-                        <a:t>ス</a:t>
+                        <a:t>づ</a:t>
                       </a:r>
                     </a:p>
                     <a:p>
                       <a:pPr algn="ctr"/>
                       <a:r>
                         <a:rPr sz="1400" b="0"/>
-                        <a:t>Su  |  சு</a:t>
+                        <a:t>Zu  |  து</a:t>
                       </a:r>
                     </a:p>
                   </a:txBody>
@@ -7896,14 +9529,14 @@
                       <a:pPr algn="ctr"/>
                       <a:r>
                         <a:rPr sz="3200" b="1"/>
-                        <a:t>ツ</a:t>
+                        <a:t>で</a:t>
                       </a:r>
                     </a:p>
                     <a:p>
                       <a:pPr algn="ctr"/>
                       <a:r>
                         <a:rPr sz="1400" b="0"/>
-                        <a:t>Tsu  |  து</a:t>
+                        <a:t>De  |  தே</a:t>
                       </a:r>
                     </a:p>
                   </a:txBody>
@@ -7920,121 +9553,15 @@
                       <a:pPr algn="ctr"/>
                       <a:r>
                         <a:rPr sz="3200" b="1"/>
-                        <a:t>ヌ</a:t>
+                        <a:t>ど</a:t>
                       </a:r>
                     </a:p>
                     <a:p>
                       <a:pPr algn="ctr"/>
                       <a:r>
                         <a:rPr sz="1400" b="0"/>
-                        <a:t>Nu  |  நு</a:t>
-                      </a:r>
-                    </a:p>
-                  </a:txBody>
-                  <a:tcPr/>
-                </a:tc>
-                <a:tc>
-                  <a:txBody>
-                    <a:bodyPr/>
-                    <a:lstStyle/>
-                    <a:p>
-                      <a:endParaRPr/>
-                    </a:p>
-                    <a:p>
-                      <a:pPr algn="ctr"/>
-                      <a:r>
-                        <a:rPr sz="3200" b="1"/>
-                        <a:t>フ</a:t>
-                      </a:r>
-                    </a:p>
-                    <a:p>
-                      <a:pPr algn="ctr"/>
-                      <a:r>
-                        <a:rPr sz="1400" b="0"/>
-                        <a:t>Fu  |  ஹு</a:t>
-                      </a:r>
-                    </a:p>
-                  </a:txBody>
-                  <a:tcPr/>
-                </a:tc>
-                <a:tc>
-                  <a:txBody>
-                    <a:bodyPr/>
-                    <a:lstStyle/>
-                    <a:p>
-                      <a:endParaRPr/>
-                    </a:p>
-                    <a:p>
-                      <a:pPr algn="ctr"/>
-                      <a:r>
-                        <a:rPr sz="3200" b="1"/>
-                        <a:t>ム</a:t>
-                      </a:r>
-                    </a:p>
-                    <a:p>
-                      <a:pPr algn="ctr"/>
-                      <a:r>
-                        <a:rPr sz="1400" b="0"/>
-                        <a:t>Mu  |  மு</a:t>
-                      </a:r>
-                    </a:p>
-                  </a:txBody>
-                  <a:tcPr/>
-                </a:tc>
-                <a:tc>
-                  <a:txBody>
-                    <a:bodyPr/>
-                    <a:lstStyle/>
-                    <a:p>
-                      <a:endParaRPr/>
-                    </a:p>
-                    <a:p>
-                      <a:pPr algn="ctr"/>
-                      <a:r>
-                        <a:rPr sz="3200" b="1"/>
-                        <a:t>ユ</a:t>
-                      </a:r>
-                    </a:p>
-                    <a:p>
-                      <a:pPr algn="ctr"/>
-                      <a:r>
-                        <a:rPr sz="1400" b="0"/>
-                        <a:t>Yu  |  யு</a:t>
-                      </a:r>
-                    </a:p>
-                  </a:txBody>
-                  <a:tcPr/>
-                </a:tc>
-                <a:tc>
-                  <a:txBody>
-                    <a:bodyPr/>
-                    <a:lstStyle/>
-                    <a:p>
-                      <a:endParaRPr/>
-                    </a:p>
-                    <a:p>
-                      <a:pPr algn="ctr"/>
-                      <a:r>
-                        <a:rPr sz="3200" b="1"/>
-                        <a:t>ル</a:t>
-                      </a:r>
-                    </a:p>
-                    <a:p>
-                      <a:pPr algn="ctr"/>
-                      <a:r>
-                        <a:rPr sz="1400" b="0"/>
-                        <a:t>Ru  |  று</a:t>
-                      </a:r>
-                    </a:p>
-                  </a:txBody>
-                  <a:tcPr/>
-                </a:tc>
-                <a:tc>
-                  <a:txBody>
-                    <a:bodyPr/>
-                    <a:lstStyle/>
-                    <a:p>
-                      <a:endParaRPr/>
+                        <a:t>Do  |  தொ</a:t>
+                      </a:r>
                     </a:p>
                   </a:txBody>
                   <a:tcPr/>
@@ -8057,14 +9584,14 @@
                       <a:pPr algn="ctr"/>
                       <a:r>
                         <a:rPr sz="3200" b="1"/>
-                        <a:t>エ</a:t>
+                        <a:t>ば</a:t>
                       </a:r>
                     </a:p>
                     <a:p>
                       <a:pPr algn="ctr"/>
                       <a:r>
                         <a:rPr sz="1400" b="0"/>
-                        <a:t>E  |  எ</a:t>
+                        <a:t>Ba  |  ப</a:t>
                       </a:r>
                     </a:p>
                   </a:txBody>
@@ -8081,14 +9608,14 @@
                       <a:pPr algn="ctr"/>
                       <a:r>
                         <a:rPr sz="3200" b="1"/>
-                        <a:t>ケ</a:t>
+                        <a:t>び</a:t>
                       </a:r>
                     </a:p>
                     <a:p>
                       <a:pPr algn="ctr"/>
                       <a:r>
                         <a:rPr sz="1400" b="0"/>
-                        <a:t>Ke  |  கே</a:t>
+                        <a:t>Bi  |  பி</a:t>
                       </a:r>
                     </a:p>
                   </a:txBody>
@@ -8105,14 +9632,14 @@
                       <a:pPr algn="ctr"/>
                       <a:r>
                         <a:rPr sz="3200" b="1"/>
-                        <a:t>セ</a:t>
+                        <a:t>ぶ</a:t>
                       </a:r>
                     </a:p>
                     <a:p>
                       <a:pPr algn="ctr"/>
                       <a:r>
                         <a:rPr sz="1400" b="0"/>
-                        <a:t>Se  |  செ</a:t>
+                        <a:t>Bu  |  பு</a:t>
                       </a:r>
                     </a:p>
                   </a:txBody>
@@ -8129,14 +9656,14 @@
                       <a:pPr algn="ctr"/>
                       <a:r>
                         <a:rPr sz="3200" b="1"/>
-                        <a:t>テ</a:t>
+                        <a:t>べ</a:t>
                       </a:r>
                     </a:p>
                     <a:p>
                       <a:pPr algn="ctr"/>
                       <a:r>
                         <a:rPr sz="1400" b="0"/>
-                        <a:t>Te  |  தே</a:t>
+                        <a:t>Be  |  பே</a:t>
                       </a:r>
                     </a:p>
                   </a:txBody>
@@ -8153,112 +9680,15 @@
                       <a:pPr algn="ctr"/>
                       <a:r>
                         <a:rPr sz="3200" b="1"/>
-                        <a:t>ネ</a:t>
+                        <a:t>ぼ</a:t>
                       </a:r>
                     </a:p>
                     <a:p>
                       <a:pPr algn="ctr"/>
                       <a:r>
                         <a:rPr sz="1400" b="0"/>
-                        <a:t>Ne  |  நே</a:t>
-                      </a:r>
-                    </a:p>
-                  </a:txBody>
-                  <a:tcPr/>
-                </a:tc>
-                <a:tc>
-                  <a:txBody>
-                    <a:bodyPr/>
-                    <a:lstStyle/>
-                    <a:p>
-                      <a:endParaRPr/>
-                    </a:p>
-                    <a:p>
-                      <a:pPr algn="ctr"/>
-                      <a:r>
-                        <a:rPr sz="3200" b="1"/>
-                        <a:t>ヘ</a:t>
-                      </a:r>
-                    </a:p>
-                    <a:p>
-                      <a:pPr algn="ctr"/>
-                      <a:r>
-                        <a:rPr sz="1400" b="0"/>
-                        <a:t>He  |  ஹே</a:t>
-                      </a:r>
-                    </a:p>
-                  </a:txBody>
-                  <a:tcPr/>
-                </a:tc>
-                <a:tc>
-                  <a:txBody>
-                    <a:bodyPr/>
-                    <a:lstStyle/>
-                    <a:p>
-                      <a:endParaRPr/>
-                    </a:p>
-                    <a:p>
-                      <a:pPr algn="ctr"/>
-                      <a:r>
-                        <a:rPr sz="3200" b="1"/>
-                        <a:t>メ</a:t>
-                      </a:r>
-                    </a:p>
-                    <a:p>
-                      <a:pPr algn="ctr"/>
-                      <a:r>
-                        <a:rPr sz="1400" b="0"/>
-                        <a:t>Me  |  மே</a:t>
-                      </a:r>
-                    </a:p>
-                  </a:txBody>
-                  <a:tcPr/>
-                </a:tc>
-                <a:tc>
-                  <a:txBody>
-                    <a:bodyPr/>
-                    <a:lstStyle/>
-                    <a:p>
-                      <a:endParaRPr/>
-                    </a:p>
-                  </a:txBody>
-                  <a:tcPr/>
-                </a:tc>
-                <a:tc>
-                  <a:txBody>
-                    <a:bodyPr/>
-                    <a:lstStyle/>
-                    <a:p>
-                      <a:endParaRPr dirty="0"/>
-                    </a:p>
-                    <a:p>
-                      <a:pPr algn="ctr"/>
-                      <a:r>
-                        <a:rPr sz="3200" b="1" dirty="0"/>
-                        <a:t>レ</a:t>
-                      </a:r>
-                    </a:p>
-                    <a:p>
-                      <a:pPr algn="ctr"/>
-                      <a:r>
-                        <a:rPr sz="1400" b="0" dirty="0"/>
-                        <a:t>Re  |  </a:t>
-                      </a:r>
-                      <a:r>
-                        <a:rPr sz="1400" b="0" dirty="0" err="1"/>
-                        <a:t>றே</a:t>
-                      </a:r>
-                      <a:endParaRPr sz="1400" b="0" dirty="0"/>
-                    </a:p>
-                  </a:txBody>
-                  <a:tcPr/>
-                </a:tc>
-                <a:tc>
-                  <a:txBody>
-                    <a:bodyPr/>
-                    <a:lstStyle/>
-                    <a:p>
-                      <a:endParaRPr/>
+                        <a:t>Bo  |  பொ</a:t>
+                      </a:r>
                     </a:p>
                   </a:txBody>
                   <a:tcPr/>
@@ -8281,14 +9711,14 @@
                       <a:pPr algn="ctr"/>
                       <a:r>
                         <a:rPr sz="3200" b="1"/>
-                        <a:t>オ</a:t>
+                        <a:t>ぱ</a:t>
                       </a:r>
                     </a:p>
                     <a:p>
                       <a:pPr algn="ctr"/>
                       <a:r>
                         <a:rPr sz="1400" b="0"/>
-                        <a:t>O  |  ஒ</a:t>
+                        <a:t>Pa  |  ப</a:t>
                       </a:r>
                     </a:p>
                   </a:txBody>
@@ -8305,14 +9735,14 @@
                       <a:pPr algn="ctr"/>
                       <a:r>
                         <a:rPr sz="3200" b="1"/>
-                        <a:t>コ</a:t>
+                        <a:t>ぴ</a:t>
                       </a:r>
                     </a:p>
                     <a:p>
                       <a:pPr algn="ctr"/>
                       <a:r>
                         <a:rPr sz="1400" b="0"/>
-                        <a:t>Ko  |  கொ</a:t>
+                        <a:t>Pi  |  பி</a:t>
                       </a:r>
                     </a:p>
                   </a:txBody>
@@ -8329,14 +9759,14 @@
                       <a:pPr algn="ctr"/>
                       <a:r>
                         <a:rPr sz="3200" b="1"/>
-                        <a:t>ソ</a:t>
+                        <a:t>ぷ</a:t>
                       </a:r>
                     </a:p>
                     <a:p>
                       <a:pPr algn="ctr"/>
                       <a:r>
                         <a:rPr sz="1400" b="0"/>
-                        <a:t>So  |  சொ</a:t>
+                        <a:t>Pu  |  பு</a:t>
                       </a:r>
                     </a:p>
                   </a:txBody>
@@ -8353,14 +9783,14 @@
                       <a:pPr algn="ctr"/>
                       <a:r>
                         <a:rPr sz="3200" b="1"/>
-                        <a:t>ト</a:t>
+                        <a:t>ぺ</a:t>
                       </a:r>
                     </a:p>
                     <a:p>
                       <a:pPr algn="ctr"/>
                       <a:r>
                         <a:rPr sz="1400" b="0"/>
-                        <a:t>To  |  தொ</a:t>
+                        <a:t>Pe  |  பே</a:t>
                       </a:r>
                     </a:p>
                   </a:txBody>
@@ -8377,140 +9807,15 @@
                       <a:pPr algn="ctr"/>
                       <a:r>
                         <a:rPr sz="3200" b="1"/>
-                        <a:t>ノ</a:t>
+                        <a:t>ぽ</a:t>
                       </a:r>
                     </a:p>
                     <a:p>
                       <a:pPr algn="ctr"/>
                       <a:r>
                         <a:rPr sz="1400" b="0"/>
-                        <a:t>No  |  நொ</a:t>
-                      </a:r>
-                    </a:p>
-                  </a:txBody>
-                  <a:tcPr/>
-                </a:tc>
-                <a:tc>
-                  <a:txBody>
-                    <a:bodyPr/>
-                    <a:lstStyle/>
-                    <a:p>
-                      <a:endParaRPr/>
-                    </a:p>
-                    <a:p>
-                      <a:pPr algn="ctr"/>
-                      <a:r>
-                        <a:rPr sz="3200" b="1"/>
-                        <a:t>ホ</a:t>
-                      </a:r>
-                    </a:p>
-                    <a:p>
-                      <a:pPr algn="ctr"/>
-                      <a:r>
-                        <a:rPr sz="1400" b="0"/>
-                        <a:t>Ho  |  ஹொ</a:t>
-                      </a:r>
-                    </a:p>
-                  </a:txBody>
-                  <a:tcPr/>
-                </a:tc>
-                <a:tc>
-                  <a:txBody>
-                    <a:bodyPr/>
-                    <a:lstStyle/>
-                    <a:p>
-                      <a:endParaRPr/>
-                    </a:p>
-                    <a:p>
-                      <a:pPr algn="ctr"/>
-                      <a:r>
-                        <a:rPr sz="3200" b="1"/>
-                        <a:t>モ</a:t>
-                      </a:r>
-                    </a:p>
-                    <a:p>
-                      <a:pPr algn="ctr"/>
-                      <a:r>
-                        <a:rPr sz="1400" b="0"/>
-                        <a:t>Mo  |  மொ</a:t>
-                      </a:r>
-                    </a:p>
-                  </a:txBody>
-                  <a:tcPr/>
-                </a:tc>
-                <a:tc>
-                  <a:txBody>
-                    <a:bodyPr/>
-                    <a:lstStyle/>
-                    <a:p>
-                      <a:endParaRPr/>
-                    </a:p>
-                    <a:p>
-                      <a:pPr algn="ctr"/>
-                      <a:r>
-                        <a:rPr sz="3200" b="1"/>
-                        <a:t>ヨ</a:t>
-                      </a:r>
-                    </a:p>
-                    <a:p>
-                      <a:pPr algn="ctr"/>
-                      <a:r>
-                        <a:rPr sz="1400" b="0"/>
-                        <a:t>Yo  |  யொ</a:t>
-                      </a:r>
-                    </a:p>
-                  </a:txBody>
-                  <a:tcPr/>
-                </a:tc>
-                <a:tc>
-                  <a:txBody>
-                    <a:bodyPr/>
-                    <a:lstStyle/>
-                    <a:p>
-                      <a:endParaRPr/>
-                    </a:p>
-                    <a:p>
-                      <a:pPr algn="ctr"/>
-                      <a:r>
-                        <a:rPr sz="3200" b="1"/>
-                        <a:t>ロ</a:t>
-                      </a:r>
-                    </a:p>
-                    <a:p>
-                      <a:pPr algn="ctr"/>
-                      <a:r>
-                        <a:rPr sz="1400" b="0"/>
-                        <a:t>Ro  |  றொ</a:t>
-                      </a:r>
-                    </a:p>
-                  </a:txBody>
-                  <a:tcPr/>
-                </a:tc>
-                <a:tc>
-                  <a:txBody>
-                    <a:bodyPr/>
-                    <a:lstStyle/>
-                    <a:p>
-                      <a:endParaRPr dirty="0"/>
-                    </a:p>
-                    <a:p>
-                      <a:pPr algn="ctr"/>
-                      <a:r>
-                        <a:rPr sz="3200" b="1" dirty="0"/>
-                        <a:t>ヲ</a:t>
-                      </a:r>
-                    </a:p>
-                    <a:p>
-                      <a:pPr algn="ctr"/>
-                      <a:r>
-                        <a:rPr sz="1400" b="0" dirty="0"/>
-                        <a:t>Wo  |  </a:t>
-                      </a:r>
-                      <a:r>
-                        <a:rPr sz="1400" b="0" dirty="0" err="1"/>
-                        <a:t>வொ</a:t>
-                      </a:r>
-                      <a:endParaRPr sz="1400" b="0" dirty="0"/>
+                        <a:t>Po  |  பொ</a:t>
+                      </a:r>
                     </a:p>
                   </a:txBody>
                   <a:tcPr/>
@@ -8525,62 +9830,6 @@
           </a:graphicData>
         </a:graphic>
       </p:graphicFrame>
-      <p:sp>
-        <p:nvSpPr>
-          <p:cNvPr id="4" name="TextBox 3"/>
-          <p:cNvSpPr txBox="1"/>
-          <p:nvPr/>
-        </p:nvSpPr>
-        <p:spPr>
-          <a:xfrm>
-            <a:off x="10896036" y="4247940"/>
-            <a:ext cx="1048685" cy="830997"/>
-          </a:xfrm>
-          <a:prstGeom prst="rect">
-            <a:avLst/>
-          </a:prstGeom>
-          <a:noFill/>
-        </p:spPr>
-        <p:txBody>
-          <a:bodyPr wrap="none" anchor="ctr">
-            <a:spAutoFit/>
-          </a:bodyPr>
-          <a:lstStyle/>
-          <a:p>
-            <a:pPr algn="ctr"/>
-            <a:r>
-              <a:rPr sz="2400" b="1" dirty="0">
-                <a:solidFill>
-                  <a:srgbClr val="000000"/>
-                </a:solidFill>
-              </a:rPr>
-              <a:t>ン</a:t>
-            </a:r>
-            <a:r>
-              <a:rPr sz="2400" b="0" dirty="0">
-                <a:solidFill>
-                  <a:srgbClr val="000000"/>
-                </a:solidFill>
-              </a:rPr>
-              <a:t>
-N | </a:t>
-            </a:r>
-            <a:r>
-              <a:rPr sz="2400" b="0" dirty="0" err="1">
-                <a:solidFill>
-                  <a:srgbClr val="000000"/>
-                </a:solidFill>
-              </a:rPr>
-              <a:t>ன்</a:t>
-            </a:r>
-            <a:endParaRPr sz="2400" b="0" dirty="0">
-              <a:solidFill>
-                <a:srgbClr val="000000"/>
-              </a:solidFill>
-            </a:endParaRPr>
-          </a:p>
-        </p:txBody>
-      </p:sp>
     </p:spTree>
   </p:cSld>
   <p:clrMapOvr>
@@ -8701,6 +9950,267 @@
       </p:grpSpPr>
       <p:sp>
         <p:nvSpPr>
+          <p:cNvPr id="4" name="Rectangle 3">
+            <a:extLst>
+              <a:ext uri="{FF2B5EF4-FFF2-40B4-BE49-F238E27FC236}">
+                <a16:creationId xmlns:a16="http://schemas.microsoft.com/office/drawing/2014/main" id="{D677691F-1D46-5F84-9B17-5EB0A99FC15D}"/>
+              </a:ext>
+            </a:extLst>
+          </p:cNvPr>
+          <p:cNvSpPr/>
+          <p:nvPr/>
+        </p:nvSpPr>
+        <p:spPr>
+          <a:xfrm>
+            <a:off x="5991727" y="-1"/>
+            <a:ext cx="6229149" cy="6819499"/>
+          </a:xfrm>
+          <a:prstGeom prst="rect">
+            <a:avLst/>
+          </a:prstGeom>
+          <a:solidFill>
+            <a:schemeClr val="accent5">
+              <a:lumMod val="20000"/>
+              <a:lumOff val="80000"/>
+            </a:schemeClr>
+          </a:solidFill>
+        </p:spPr>
+        <p:style>
+          <a:lnRef idx="1">
+            <a:schemeClr val="accent1"/>
+          </a:lnRef>
+          <a:fillRef idx="3">
+            <a:schemeClr val="accent1"/>
+          </a:fillRef>
+          <a:effectRef idx="2">
+            <a:schemeClr val="accent1"/>
+          </a:effectRef>
+          <a:fontRef idx="minor">
+            <a:schemeClr val="lt1"/>
+          </a:fontRef>
+        </p:style>
+        <p:txBody>
+          <a:bodyPr rtlCol="0" anchor="ctr"/>
+          <a:lstStyle/>
+          <a:p>
+            <a:pPr algn="ctr"/>
+            <a:endParaRPr lang="en-IN"/>
+          </a:p>
+        </p:txBody>
+      </p:sp>
+      <p:sp>
+        <p:nvSpPr>
+          <p:cNvPr id="5" name="Rectangle 4">
+            <a:extLst>
+              <a:ext uri="{FF2B5EF4-FFF2-40B4-BE49-F238E27FC236}">
+                <a16:creationId xmlns:a16="http://schemas.microsoft.com/office/drawing/2014/main" id="{5324346E-B963-D5B0-511A-61384E5ACCD9}"/>
+              </a:ext>
+            </a:extLst>
+          </p:cNvPr>
+          <p:cNvSpPr/>
+          <p:nvPr/>
+        </p:nvSpPr>
+        <p:spPr>
+          <a:xfrm>
+            <a:off x="0" y="0"/>
+            <a:ext cx="5962851" cy="6819499"/>
+          </a:xfrm>
+          <a:prstGeom prst="rect">
+            <a:avLst/>
+          </a:prstGeom>
+          <a:solidFill>
+            <a:schemeClr val="accent6">
+              <a:lumMod val="20000"/>
+              <a:lumOff val="80000"/>
+            </a:schemeClr>
+          </a:solidFill>
+        </p:spPr>
+        <p:style>
+          <a:lnRef idx="1">
+            <a:schemeClr val="accent1"/>
+          </a:lnRef>
+          <a:fillRef idx="3">
+            <a:schemeClr val="accent1"/>
+          </a:fillRef>
+          <a:effectRef idx="2">
+            <a:schemeClr val="accent1"/>
+          </a:effectRef>
+          <a:fontRef idx="minor">
+            <a:schemeClr val="lt1"/>
+          </a:fontRef>
+        </p:style>
+        <p:txBody>
+          <a:bodyPr rtlCol="0" anchor="ctr"/>
+          <a:lstStyle/>
+          <a:p>
+            <a:pPr algn="ctr"/>
+            <a:endParaRPr lang="en-IN"/>
+          </a:p>
+        </p:txBody>
+      </p:sp>
+      <p:sp>
+        <p:nvSpPr>
+          <p:cNvPr id="6" name="Rectangle 5">
+            <a:extLst>
+              <a:ext uri="{FF2B5EF4-FFF2-40B4-BE49-F238E27FC236}">
+                <a16:creationId xmlns:a16="http://schemas.microsoft.com/office/drawing/2014/main" id="{2690C558-DD1D-B37B-BCE1-E5209C786892}"/>
+              </a:ext>
+            </a:extLst>
+          </p:cNvPr>
+          <p:cNvSpPr/>
+          <p:nvPr/>
+        </p:nvSpPr>
+        <p:spPr>
+          <a:xfrm>
+            <a:off x="28876" y="7219"/>
+            <a:ext cx="12192000" cy="421105"/>
+          </a:xfrm>
+          <a:prstGeom prst="rect">
+            <a:avLst/>
+          </a:prstGeom>
+          <a:noFill/>
+          <a:ln>
+            <a:solidFill>
+              <a:schemeClr val="tx1"/>
+            </a:solidFill>
+            <a:prstDash val="sysDot"/>
+          </a:ln>
+        </p:spPr>
+        <p:style>
+          <a:lnRef idx="1">
+            <a:schemeClr val="accent1"/>
+          </a:lnRef>
+          <a:fillRef idx="3">
+            <a:schemeClr val="accent1"/>
+          </a:fillRef>
+          <a:effectRef idx="2">
+            <a:schemeClr val="accent1"/>
+          </a:effectRef>
+          <a:fontRef idx="minor">
+            <a:schemeClr val="lt1"/>
+          </a:fontRef>
+        </p:style>
+        <p:txBody>
+          <a:bodyPr rtlCol="0" anchor="ctr"/>
+          <a:lstStyle/>
+          <a:p>
+            <a:pPr algn="ctr"/>
+            <a:endParaRPr lang="en-IN"/>
+          </a:p>
+        </p:txBody>
+      </p:sp>
+      <p:sp>
+        <p:nvSpPr>
+          <p:cNvPr id="7" name="TextBox 6">
+            <a:extLst>
+              <a:ext uri="{FF2B5EF4-FFF2-40B4-BE49-F238E27FC236}">
+                <a16:creationId xmlns:a16="http://schemas.microsoft.com/office/drawing/2014/main" id="{F4C944E8-7F37-09D7-89E2-42D54891A816}"/>
+              </a:ext>
+            </a:extLst>
+          </p:cNvPr>
+          <p:cNvSpPr txBox="1"/>
+          <p:nvPr/>
+        </p:nvSpPr>
+        <p:spPr>
+          <a:xfrm>
+            <a:off x="43314" y="7219"/>
+            <a:ext cx="5933975" cy="369332"/>
+          </a:xfrm>
+          <a:prstGeom prst="rect">
+            <a:avLst/>
+          </a:prstGeom>
+          <a:solidFill>
+            <a:schemeClr val="accent6">
+              <a:lumMod val="20000"/>
+              <a:lumOff val="80000"/>
+            </a:schemeClr>
+          </a:solidFill>
+          <a:ln w="3175">
+            <a:solidFill>
+              <a:schemeClr val="accent6">
+                <a:lumMod val="20000"/>
+                <a:lumOff val="80000"/>
+              </a:schemeClr>
+            </a:solidFill>
+            <a:prstDash val="sysDot"/>
+          </a:ln>
+        </p:spPr>
+        <p:txBody>
+          <a:bodyPr wrap="square" rtlCol="0">
+            <a:spAutoFit/>
+          </a:bodyPr>
+          <a:lstStyle/>
+          <a:p>
+            <a:pPr algn="ctr"/>
+            <a:r>
+              <a:rPr lang="en-IN" dirty="0"/>
+              <a:t>Hiragana|</a:t>
+            </a:r>
+            <a:r>
+              <a:rPr lang="ja-JP" altLang="en-US" sz="1800" b="1" dirty="0"/>
+              <a:t> ひらがな</a:t>
+            </a:r>
+            <a:endParaRPr lang="en-IN" dirty="0"/>
+          </a:p>
+        </p:txBody>
+      </p:sp>
+      <p:sp>
+        <p:nvSpPr>
+          <p:cNvPr id="8" name="TextBox 7">
+            <a:extLst>
+              <a:ext uri="{FF2B5EF4-FFF2-40B4-BE49-F238E27FC236}">
+                <a16:creationId xmlns:a16="http://schemas.microsoft.com/office/drawing/2014/main" id="{C7FB7231-263D-77F8-CEF2-961B6ACE353C}"/>
+              </a:ext>
+            </a:extLst>
+          </p:cNvPr>
+          <p:cNvSpPr txBox="1"/>
+          <p:nvPr/>
+        </p:nvSpPr>
+        <p:spPr>
+          <a:xfrm>
+            <a:off x="5991727" y="0"/>
+            <a:ext cx="6229149" cy="369332"/>
+          </a:xfrm>
+          <a:prstGeom prst="rect">
+            <a:avLst/>
+          </a:prstGeom>
+          <a:solidFill>
+            <a:schemeClr val="accent5">
+              <a:lumMod val="20000"/>
+              <a:lumOff val="80000"/>
+            </a:schemeClr>
+          </a:solidFill>
+          <a:ln w="3175">
+            <a:solidFill>
+              <a:schemeClr val="accent6">
+                <a:lumMod val="20000"/>
+                <a:lumOff val="80000"/>
+              </a:schemeClr>
+            </a:solidFill>
+            <a:prstDash val="sysDot"/>
+          </a:ln>
+        </p:spPr>
+        <p:txBody>
+          <a:bodyPr wrap="square" rtlCol="0">
+            <a:spAutoFit/>
+          </a:bodyPr>
+          <a:lstStyle/>
+          <a:p>
+            <a:pPr algn="ctr"/>
+            <a:r>
+              <a:rPr lang="en-IN" dirty="0"/>
+              <a:t>Katakana|</a:t>
+            </a:r>
+            <a:r>
+              <a:rPr lang="ja-JP" altLang="en-US" sz="1800" b="1" dirty="0"/>
+              <a:t> カタカナ</a:t>
+            </a:r>
+            <a:endParaRPr lang="en-IN" dirty="0"/>
+          </a:p>
+        </p:txBody>
+      </p:sp>
+      <p:sp>
+        <p:nvSpPr>
           <p:cNvPr id="2" name="TextBox 1"/>
           <p:cNvSpPr txBox="1"/>
           <p:nvPr/>
@@ -8794,6 +10304,267 @@
       </p:grpSpPr>
       <p:sp>
         <p:nvSpPr>
+          <p:cNvPr id="4" name="Rectangle 3">
+            <a:extLst>
+              <a:ext uri="{FF2B5EF4-FFF2-40B4-BE49-F238E27FC236}">
+                <a16:creationId xmlns:a16="http://schemas.microsoft.com/office/drawing/2014/main" id="{07780DE7-FF6F-ABFB-5631-087A9417E86D}"/>
+              </a:ext>
+            </a:extLst>
+          </p:cNvPr>
+          <p:cNvSpPr/>
+          <p:nvPr/>
+        </p:nvSpPr>
+        <p:spPr>
+          <a:xfrm>
+            <a:off x="5991727" y="-1"/>
+            <a:ext cx="6229149" cy="6819499"/>
+          </a:xfrm>
+          <a:prstGeom prst="rect">
+            <a:avLst/>
+          </a:prstGeom>
+          <a:solidFill>
+            <a:schemeClr val="accent5">
+              <a:lumMod val="20000"/>
+              <a:lumOff val="80000"/>
+            </a:schemeClr>
+          </a:solidFill>
+        </p:spPr>
+        <p:style>
+          <a:lnRef idx="1">
+            <a:schemeClr val="accent1"/>
+          </a:lnRef>
+          <a:fillRef idx="3">
+            <a:schemeClr val="accent1"/>
+          </a:fillRef>
+          <a:effectRef idx="2">
+            <a:schemeClr val="accent1"/>
+          </a:effectRef>
+          <a:fontRef idx="minor">
+            <a:schemeClr val="lt1"/>
+          </a:fontRef>
+        </p:style>
+        <p:txBody>
+          <a:bodyPr rtlCol="0" anchor="ctr"/>
+          <a:lstStyle/>
+          <a:p>
+            <a:pPr algn="ctr"/>
+            <a:endParaRPr lang="en-IN"/>
+          </a:p>
+        </p:txBody>
+      </p:sp>
+      <p:sp>
+        <p:nvSpPr>
+          <p:cNvPr id="5" name="Rectangle 4">
+            <a:extLst>
+              <a:ext uri="{FF2B5EF4-FFF2-40B4-BE49-F238E27FC236}">
+                <a16:creationId xmlns:a16="http://schemas.microsoft.com/office/drawing/2014/main" id="{5537571A-3516-D58F-C49F-F92E84848428}"/>
+              </a:ext>
+            </a:extLst>
+          </p:cNvPr>
+          <p:cNvSpPr/>
+          <p:nvPr/>
+        </p:nvSpPr>
+        <p:spPr>
+          <a:xfrm>
+            <a:off x="0" y="0"/>
+            <a:ext cx="5962851" cy="6819499"/>
+          </a:xfrm>
+          <a:prstGeom prst="rect">
+            <a:avLst/>
+          </a:prstGeom>
+          <a:solidFill>
+            <a:schemeClr val="accent6">
+              <a:lumMod val="20000"/>
+              <a:lumOff val="80000"/>
+            </a:schemeClr>
+          </a:solidFill>
+        </p:spPr>
+        <p:style>
+          <a:lnRef idx="1">
+            <a:schemeClr val="accent1"/>
+          </a:lnRef>
+          <a:fillRef idx="3">
+            <a:schemeClr val="accent1"/>
+          </a:fillRef>
+          <a:effectRef idx="2">
+            <a:schemeClr val="accent1"/>
+          </a:effectRef>
+          <a:fontRef idx="minor">
+            <a:schemeClr val="lt1"/>
+          </a:fontRef>
+        </p:style>
+        <p:txBody>
+          <a:bodyPr rtlCol="0" anchor="ctr"/>
+          <a:lstStyle/>
+          <a:p>
+            <a:pPr algn="ctr"/>
+            <a:endParaRPr lang="en-IN"/>
+          </a:p>
+        </p:txBody>
+      </p:sp>
+      <p:sp>
+        <p:nvSpPr>
+          <p:cNvPr id="6" name="Rectangle 5">
+            <a:extLst>
+              <a:ext uri="{FF2B5EF4-FFF2-40B4-BE49-F238E27FC236}">
+                <a16:creationId xmlns:a16="http://schemas.microsoft.com/office/drawing/2014/main" id="{1B6346FF-2753-AA23-69A3-D00B1AC58827}"/>
+              </a:ext>
+            </a:extLst>
+          </p:cNvPr>
+          <p:cNvSpPr/>
+          <p:nvPr/>
+        </p:nvSpPr>
+        <p:spPr>
+          <a:xfrm>
+            <a:off x="28876" y="7219"/>
+            <a:ext cx="12192000" cy="421105"/>
+          </a:xfrm>
+          <a:prstGeom prst="rect">
+            <a:avLst/>
+          </a:prstGeom>
+          <a:noFill/>
+          <a:ln>
+            <a:solidFill>
+              <a:schemeClr val="tx1"/>
+            </a:solidFill>
+            <a:prstDash val="sysDot"/>
+          </a:ln>
+        </p:spPr>
+        <p:style>
+          <a:lnRef idx="1">
+            <a:schemeClr val="accent1"/>
+          </a:lnRef>
+          <a:fillRef idx="3">
+            <a:schemeClr val="accent1"/>
+          </a:fillRef>
+          <a:effectRef idx="2">
+            <a:schemeClr val="accent1"/>
+          </a:effectRef>
+          <a:fontRef idx="minor">
+            <a:schemeClr val="lt1"/>
+          </a:fontRef>
+        </p:style>
+        <p:txBody>
+          <a:bodyPr rtlCol="0" anchor="ctr"/>
+          <a:lstStyle/>
+          <a:p>
+            <a:pPr algn="ctr"/>
+            <a:endParaRPr lang="en-IN"/>
+          </a:p>
+        </p:txBody>
+      </p:sp>
+      <p:sp>
+        <p:nvSpPr>
+          <p:cNvPr id="7" name="TextBox 6">
+            <a:extLst>
+              <a:ext uri="{FF2B5EF4-FFF2-40B4-BE49-F238E27FC236}">
+                <a16:creationId xmlns:a16="http://schemas.microsoft.com/office/drawing/2014/main" id="{1E5CA37F-6AB8-4F7B-DC18-CE19AE60B6F5}"/>
+              </a:ext>
+            </a:extLst>
+          </p:cNvPr>
+          <p:cNvSpPr txBox="1"/>
+          <p:nvPr/>
+        </p:nvSpPr>
+        <p:spPr>
+          <a:xfrm>
+            <a:off x="43314" y="7219"/>
+            <a:ext cx="5933975" cy="369332"/>
+          </a:xfrm>
+          <a:prstGeom prst="rect">
+            <a:avLst/>
+          </a:prstGeom>
+          <a:solidFill>
+            <a:schemeClr val="accent6">
+              <a:lumMod val="20000"/>
+              <a:lumOff val="80000"/>
+            </a:schemeClr>
+          </a:solidFill>
+          <a:ln w="3175">
+            <a:solidFill>
+              <a:schemeClr val="accent6">
+                <a:lumMod val="20000"/>
+                <a:lumOff val="80000"/>
+              </a:schemeClr>
+            </a:solidFill>
+            <a:prstDash val="sysDot"/>
+          </a:ln>
+        </p:spPr>
+        <p:txBody>
+          <a:bodyPr wrap="square" rtlCol="0">
+            <a:spAutoFit/>
+          </a:bodyPr>
+          <a:lstStyle/>
+          <a:p>
+            <a:pPr algn="ctr"/>
+            <a:r>
+              <a:rPr lang="en-IN" dirty="0"/>
+              <a:t>Hiragana|</a:t>
+            </a:r>
+            <a:r>
+              <a:rPr lang="ja-JP" altLang="en-US" sz="1800" b="1" dirty="0"/>
+              <a:t> ひらがな</a:t>
+            </a:r>
+            <a:endParaRPr lang="en-IN" dirty="0"/>
+          </a:p>
+        </p:txBody>
+      </p:sp>
+      <p:sp>
+        <p:nvSpPr>
+          <p:cNvPr id="8" name="TextBox 7">
+            <a:extLst>
+              <a:ext uri="{FF2B5EF4-FFF2-40B4-BE49-F238E27FC236}">
+                <a16:creationId xmlns:a16="http://schemas.microsoft.com/office/drawing/2014/main" id="{616916D7-49F9-D991-BE79-767F6EEE831E}"/>
+              </a:ext>
+            </a:extLst>
+          </p:cNvPr>
+          <p:cNvSpPr txBox="1"/>
+          <p:nvPr/>
+        </p:nvSpPr>
+        <p:spPr>
+          <a:xfrm>
+            <a:off x="5991727" y="0"/>
+            <a:ext cx="6229149" cy="369332"/>
+          </a:xfrm>
+          <a:prstGeom prst="rect">
+            <a:avLst/>
+          </a:prstGeom>
+          <a:solidFill>
+            <a:schemeClr val="accent5">
+              <a:lumMod val="20000"/>
+              <a:lumOff val="80000"/>
+            </a:schemeClr>
+          </a:solidFill>
+          <a:ln w="3175">
+            <a:solidFill>
+              <a:schemeClr val="accent6">
+                <a:lumMod val="20000"/>
+                <a:lumOff val="80000"/>
+              </a:schemeClr>
+            </a:solidFill>
+            <a:prstDash val="sysDot"/>
+          </a:ln>
+        </p:spPr>
+        <p:txBody>
+          <a:bodyPr wrap="square" rtlCol="0">
+            <a:spAutoFit/>
+          </a:bodyPr>
+          <a:lstStyle/>
+          <a:p>
+            <a:pPr algn="ctr"/>
+            <a:r>
+              <a:rPr lang="en-IN" dirty="0"/>
+              <a:t>Katakana|</a:t>
+            </a:r>
+            <a:r>
+              <a:rPr lang="ja-JP" altLang="en-US" sz="1800" b="1" dirty="0"/>
+              <a:t> カタカナ</a:t>
+            </a:r>
+            <a:endParaRPr lang="en-IN" dirty="0"/>
+          </a:p>
+        </p:txBody>
+      </p:sp>
+      <p:sp>
+        <p:nvSpPr>
           <p:cNvPr id="2" name="TextBox 1"/>
           <p:cNvSpPr txBox="1"/>
           <p:nvPr/>
@@ -8887,6 +10658,267 @@
       </p:grpSpPr>
       <p:sp>
         <p:nvSpPr>
+          <p:cNvPr id="4" name="Rectangle 3">
+            <a:extLst>
+              <a:ext uri="{FF2B5EF4-FFF2-40B4-BE49-F238E27FC236}">
+                <a16:creationId xmlns:a16="http://schemas.microsoft.com/office/drawing/2014/main" id="{95FB1499-2D60-E007-750C-033A2A1F08C1}"/>
+              </a:ext>
+            </a:extLst>
+          </p:cNvPr>
+          <p:cNvSpPr/>
+          <p:nvPr/>
+        </p:nvSpPr>
+        <p:spPr>
+          <a:xfrm>
+            <a:off x="5991727" y="-1"/>
+            <a:ext cx="6229149" cy="6819499"/>
+          </a:xfrm>
+          <a:prstGeom prst="rect">
+            <a:avLst/>
+          </a:prstGeom>
+          <a:solidFill>
+            <a:schemeClr val="accent5">
+              <a:lumMod val="20000"/>
+              <a:lumOff val="80000"/>
+            </a:schemeClr>
+          </a:solidFill>
+        </p:spPr>
+        <p:style>
+          <a:lnRef idx="1">
+            <a:schemeClr val="accent1"/>
+          </a:lnRef>
+          <a:fillRef idx="3">
+            <a:schemeClr val="accent1"/>
+          </a:fillRef>
+          <a:effectRef idx="2">
+            <a:schemeClr val="accent1"/>
+          </a:effectRef>
+          <a:fontRef idx="minor">
+            <a:schemeClr val="lt1"/>
+          </a:fontRef>
+        </p:style>
+        <p:txBody>
+          <a:bodyPr rtlCol="0" anchor="ctr"/>
+          <a:lstStyle/>
+          <a:p>
+            <a:pPr algn="ctr"/>
+            <a:endParaRPr lang="en-IN"/>
+          </a:p>
+        </p:txBody>
+      </p:sp>
+      <p:sp>
+        <p:nvSpPr>
+          <p:cNvPr id="5" name="Rectangle 4">
+            <a:extLst>
+              <a:ext uri="{FF2B5EF4-FFF2-40B4-BE49-F238E27FC236}">
+                <a16:creationId xmlns:a16="http://schemas.microsoft.com/office/drawing/2014/main" id="{B14B0B1B-CD51-530D-2CC7-5B485BB70C03}"/>
+              </a:ext>
+            </a:extLst>
+          </p:cNvPr>
+          <p:cNvSpPr/>
+          <p:nvPr/>
+        </p:nvSpPr>
+        <p:spPr>
+          <a:xfrm>
+            <a:off x="0" y="0"/>
+            <a:ext cx="5962851" cy="6819499"/>
+          </a:xfrm>
+          <a:prstGeom prst="rect">
+            <a:avLst/>
+          </a:prstGeom>
+          <a:solidFill>
+            <a:schemeClr val="accent6">
+              <a:lumMod val="20000"/>
+              <a:lumOff val="80000"/>
+            </a:schemeClr>
+          </a:solidFill>
+        </p:spPr>
+        <p:style>
+          <a:lnRef idx="1">
+            <a:schemeClr val="accent1"/>
+          </a:lnRef>
+          <a:fillRef idx="3">
+            <a:schemeClr val="accent1"/>
+          </a:fillRef>
+          <a:effectRef idx="2">
+            <a:schemeClr val="accent1"/>
+          </a:effectRef>
+          <a:fontRef idx="minor">
+            <a:schemeClr val="lt1"/>
+          </a:fontRef>
+        </p:style>
+        <p:txBody>
+          <a:bodyPr rtlCol="0" anchor="ctr"/>
+          <a:lstStyle/>
+          <a:p>
+            <a:pPr algn="ctr"/>
+            <a:endParaRPr lang="en-IN"/>
+          </a:p>
+        </p:txBody>
+      </p:sp>
+      <p:sp>
+        <p:nvSpPr>
+          <p:cNvPr id="6" name="Rectangle 5">
+            <a:extLst>
+              <a:ext uri="{FF2B5EF4-FFF2-40B4-BE49-F238E27FC236}">
+                <a16:creationId xmlns:a16="http://schemas.microsoft.com/office/drawing/2014/main" id="{C747DFDC-E341-60DF-B39C-2AED25416C58}"/>
+              </a:ext>
+            </a:extLst>
+          </p:cNvPr>
+          <p:cNvSpPr/>
+          <p:nvPr/>
+        </p:nvSpPr>
+        <p:spPr>
+          <a:xfrm>
+            <a:off x="28876" y="7219"/>
+            <a:ext cx="12192000" cy="421105"/>
+          </a:xfrm>
+          <a:prstGeom prst="rect">
+            <a:avLst/>
+          </a:prstGeom>
+          <a:noFill/>
+          <a:ln>
+            <a:solidFill>
+              <a:schemeClr val="tx1"/>
+            </a:solidFill>
+            <a:prstDash val="sysDot"/>
+          </a:ln>
+        </p:spPr>
+        <p:style>
+          <a:lnRef idx="1">
+            <a:schemeClr val="accent1"/>
+          </a:lnRef>
+          <a:fillRef idx="3">
+            <a:schemeClr val="accent1"/>
+          </a:fillRef>
+          <a:effectRef idx="2">
+            <a:schemeClr val="accent1"/>
+          </a:effectRef>
+          <a:fontRef idx="minor">
+            <a:schemeClr val="lt1"/>
+          </a:fontRef>
+        </p:style>
+        <p:txBody>
+          <a:bodyPr rtlCol="0" anchor="ctr"/>
+          <a:lstStyle/>
+          <a:p>
+            <a:pPr algn="ctr"/>
+            <a:endParaRPr lang="en-IN"/>
+          </a:p>
+        </p:txBody>
+      </p:sp>
+      <p:sp>
+        <p:nvSpPr>
+          <p:cNvPr id="7" name="TextBox 6">
+            <a:extLst>
+              <a:ext uri="{FF2B5EF4-FFF2-40B4-BE49-F238E27FC236}">
+                <a16:creationId xmlns:a16="http://schemas.microsoft.com/office/drawing/2014/main" id="{24291B3E-9577-8D61-9273-24DA712E3BE3}"/>
+              </a:ext>
+            </a:extLst>
+          </p:cNvPr>
+          <p:cNvSpPr txBox="1"/>
+          <p:nvPr/>
+        </p:nvSpPr>
+        <p:spPr>
+          <a:xfrm>
+            <a:off x="43314" y="7219"/>
+            <a:ext cx="5933975" cy="369332"/>
+          </a:xfrm>
+          <a:prstGeom prst="rect">
+            <a:avLst/>
+          </a:prstGeom>
+          <a:solidFill>
+            <a:schemeClr val="accent6">
+              <a:lumMod val="20000"/>
+              <a:lumOff val="80000"/>
+            </a:schemeClr>
+          </a:solidFill>
+          <a:ln w="3175">
+            <a:solidFill>
+              <a:schemeClr val="accent6">
+                <a:lumMod val="20000"/>
+                <a:lumOff val="80000"/>
+              </a:schemeClr>
+            </a:solidFill>
+            <a:prstDash val="sysDot"/>
+          </a:ln>
+        </p:spPr>
+        <p:txBody>
+          <a:bodyPr wrap="square" rtlCol="0">
+            <a:spAutoFit/>
+          </a:bodyPr>
+          <a:lstStyle/>
+          <a:p>
+            <a:pPr algn="ctr"/>
+            <a:r>
+              <a:rPr lang="en-IN" dirty="0"/>
+              <a:t>Hiragana|</a:t>
+            </a:r>
+            <a:r>
+              <a:rPr lang="ja-JP" altLang="en-US" sz="1800" b="1" dirty="0"/>
+              <a:t> ひらがな</a:t>
+            </a:r>
+            <a:endParaRPr lang="en-IN" dirty="0"/>
+          </a:p>
+        </p:txBody>
+      </p:sp>
+      <p:sp>
+        <p:nvSpPr>
+          <p:cNvPr id="8" name="TextBox 7">
+            <a:extLst>
+              <a:ext uri="{FF2B5EF4-FFF2-40B4-BE49-F238E27FC236}">
+                <a16:creationId xmlns:a16="http://schemas.microsoft.com/office/drawing/2014/main" id="{90DAAB7C-63C5-DC72-7F94-80CA6EA40B92}"/>
+              </a:ext>
+            </a:extLst>
+          </p:cNvPr>
+          <p:cNvSpPr txBox="1"/>
+          <p:nvPr/>
+        </p:nvSpPr>
+        <p:spPr>
+          <a:xfrm>
+            <a:off x="5991727" y="0"/>
+            <a:ext cx="6229149" cy="369332"/>
+          </a:xfrm>
+          <a:prstGeom prst="rect">
+            <a:avLst/>
+          </a:prstGeom>
+          <a:solidFill>
+            <a:schemeClr val="accent5">
+              <a:lumMod val="20000"/>
+              <a:lumOff val="80000"/>
+            </a:schemeClr>
+          </a:solidFill>
+          <a:ln w="3175">
+            <a:solidFill>
+              <a:schemeClr val="accent6">
+                <a:lumMod val="20000"/>
+                <a:lumOff val="80000"/>
+              </a:schemeClr>
+            </a:solidFill>
+            <a:prstDash val="sysDot"/>
+          </a:ln>
+        </p:spPr>
+        <p:txBody>
+          <a:bodyPr wrap="square" rtlCol="0">
+            <a:spAutoFit/>
+          </a:bodyPr>
+          <a:lstStyle/>
+          <a:p>
+            <a:pPr algn="ctr"/>
+            <a:r>
+              <a:rPr lang="en-IN" dirty="0"/>
+              <a:t>Katakana|</a:t>
+            </a:r>
+            <a:r>
+              <a:rPr lang="ja-JP" altLang="en-US" sz="1800" b="1" dirty="0"/>
+              <a:t> カタカナ</a:t>
+            </a:r>
+            <a:endParaRPr lang="en-IN" dirty="0"/>
+          </a:p>
+        </p:txBody>
+      </p:sp>
+      <p:sp>
+        <p:nvSpPr>
           <p:cNvPr id="2" name="TextBox 1"/>
           <p:cNvSpPr txBox="1"/>
           <p:nvPr/>
@@ -9167,6 +11199,267 @@
       </p:grpSpPr>
       <p:sp>
         <p:nvSpPr>
+          <p:cNvPr id="4" name="Rectangle 3">
+            <a:extLst>
+              <a:ext uri="{FF2B5EF4-FFF2-40B4-BE49-F238E27FC236}">
+                <a16:creationId xmlns:a16="http://schemas.microsoft.com/office/drawing/2014/main" id="{22AA18F2-D43E-7147-D896-285049615883}"/>
+              </a:ext>
+            </a:extLst>
+          </p:cNvPr>
+          <p:cNvSpPr/>
+          <p:nvPr/>
+        </p:nvSpPr>
+        <p:spPr>
+          <a:xfrm>
+            <a:off x="5991727" y="-1"/>
+            <a:ext cx="6229149" cy="6819499"/>
+          </a:xfrm>
+          <a:prstGeom prst="rect">
+            <a:avLst/>
+          </a:prstGeom>
+          <a:solidFill>
+            <a:schemeClr val="accent5">
+              <a:lumMod val="20000"/>
+              <a:lumOff val="80000"/>
+            </a:schemeClr>
+          </a:solidFill>
+        </p:spPr>
+        <p:style>
+          <a:lnRef idx="1">
+            <a:schemeClr val="accent1"/>
+          </a:lnRef>
+          <a:fillRef idx="3">
+            <a:schemeClr val="accent1"/>
+          </a:fillRef>
+          <a:effectRef idx="2">
+            <a:schemeClr val="accent1"/>
+          </a:effectRef>
+          <a:fontRef idx="minor">
+            <a:schemeClr val="lt1"/>
+          </a:fontRef>
+        </p:style>
+        <p:txBody>
+          <a:bodyPr rtlCol="0" anchor="ctr"/>
+          <a:lstStyle/>
+          <a:p>
+            <a:pPr algn="ctr"/>
+            <a:endParaRPr lang="en-IN"/>
+          </a:p>
+        </p:txBody>
+      </p:sp>
+      <p:sp>
+        <p:nvSpPr>
+          <p:cNvPr id="5" name="Rectangle 4">
+            <a:extLst>
+              <a:ext uri="{FF2B5EF4-FFF2-40B4-BE49-F238E27FC236}">
+                <a16:creationId xmlns:a16="http://schemas.microsoft.com/office/drawing/2014/main" id="{0DDF5685-E2C1-497D-B81F-2CC85283E7D6}"/>
+              </a:ext>
+            </a:extLst>
+          </p:cNvPr>
+          <p:cNvSpPr/>
+          <p:nvPr/>
+        </p:nvSpPr>
+        <p:spPr>
+          <a:xfrm>
+            <a:off x="0" y="0"/>
+            <a:ext cx="5962851" cy="6819499"/>
+          </a:xfrm>
+          <a:prstGeom prst="rect">
+            <a:avLst/>
+          </a:prstGeom>
+          <a:solidFill>
+            <a:schemeClr val="accent6">
+              <a:lumMod val="20000"/>
+              <a:lumOff val="80000"/>
+            </a:schemeClr>
+          </a:solidFill>
+        </p:spPr>
+        <p:style>
+          <a:lnRef idx="1">
+            <a:schemeClr val="accent1"/>
+          </a:lnRef>
+          <a:fillRef idx="3">
+            <a:schemeClr val="accent1"/>
+          </a:fillRef>
+          <a:effectRef idx="2">
+            <a:schemeClr val="accent1"/>
+          </a:effectRef>
+          <a:fontRef idx="minor">
+            <a:schemeClr val="lt1"/>
+          </a:fontRef>
+        </p:style>
+        <p:txBody>
+          <a:bodyPr rtlCol="0" anchor="ctr"/>
+          <a:lstStyle/>
+          <a:p>
+            <a:pPr algn="ctr"/>
+            <a:endParaRPr lang="en-IN"/>
+          </a:p>
+        </p:txBody>
+      </p:sp>
+      <p:sp>
+        <p:nvSpPr>
+          <p:cNvPr id="6" name="Rectangle 5">
+            <a:extLst>
+              <a:ext uri="{FF2B5EF4-FFF2-40B4-BE49-F238E27FC236}">
+                <a16:creationId xmlns:a16="http://schemas.microsoft.com/office/drawing/2014/main" id="{E4CBEA4D-CAC2-D488-F17D-A039BAA0C022}"/>
+              </a:ext>
+            </a:extLst>
+          </p:cNvPr>
+          <p:cNvSpPr/>
+          <p:nvPr/>
+        </p:nvSpPr>
+        <p:spPr>
+          <a:xfrm>
+            <a:off x="28876" y="7219"/>
+            <a:ext cx="12192000" cy="421105"/>
+          </a:xfrm>
+          <a:prstGeom prst="rect">
+            <a:avLst/>
+          </a:prstGeom>
+          <a:noFill/>
+          <a:ln>
+            <a:solidFill>
+              <a:schemeClr val="tx1"/>
+            </a:solidFill>
+            <a:prstDash val="sysDot"/>
+          </a:ln>
+        </p:spPr>
+        <p:style>
+          <a:lnRef idx="1">
+            <a:schemeClr val="accent1"/>
+          </a:lnRef>
+          <a:fillRef idx="3">
+            <a:schemeClr val="accent1"/>
+          </a:fillRef>
+          <a:effectRef idx="2">
+            <a:schemeClr val="accent1"/>
+          </a:effectRef>
+          <a:fontRef idx="minor">
+            <a:schemeClr val="lt1"/>
+          </a:fontRef>
+        </p:style>
+        <p:txBody>
+          <a:bodyPr rtlCol="0" anchor="ctr"/>
+          <a:lstStyle/>
+          <a:p>
+            <a:pPr algn="ctr"/>
+            <a:endParaRPr lang="en-IN"/>
+          </a:p>
+        </p:txBody>
+      </p:sp>
+      <p:sp>
+        <p:nvSpPr>
+          <p:cNvPr id="7" name="TextBox 6">
+            <a:extLst>
+              <a:ext uri="{FF2B5EF4-FFF2-40B4-BE49-F238E27FC236}">
+                <a16:creationId xmlns:a16="http://schemas.microsoft.com/office/drawing/2014/main" id="{9F48F109-8B80-F6FB-D63C-980A4B08D081}"/>
+              </a:ext>
+            </a:extLst>
+          </p:cNvPr>
+          <p:cNvSpPr txBox="1"/>
+          <p:nvPr/>
+        </p:nvSpPr>
+        <p:spPr>
+          <a:xfrm>
+            <a:off x="43314" y="7219"/>
+            <a:ext cx="5933975" cy="369332"/>
+          </a:xfrm>
+          <a:prstGeom prst="rect">
+            <a:avLst/>
+          </a:prstGeom>
+          <a:solidFill>
+            <a:schemeClr val="accent6">
+              <a:lumMod val="20000"/>
+              <a:lumOff val="80000"/>
+            </a:schemeClr>
+          </a:solidFill>
+          <a:ln w="3175">
+            <a:solidFill>
+              <a:schemeClr val="accent6">
+                <a:lumMod val="20000"/>
+                <a:lumOff val="80000"/>
+              </a:schemeClr>
+            </a:solidFill>
+            <a:prstDash val="sysDot"/>
+          </a:ln>
+        </p:spPr>
+        <p:txBody>
+          <a:bodyPr wrap="square" rtlCol="0">
+            <a:spAutoFit/>
+          </a:bodyPr>
+          <a:lstStyle/>
+          <a:p>
+            <a:pPr algn="ctr"/>
+            <a:r>
+              <a:rPr lang="en-IN" dirty="0"/>
+              <a:t>Hiragana|</a:t>
+            </a:r>
+            <a:r>
+              <a:rPr lang="ja-JP" altLang="en-US" sz="1800" b="1" dirty="0"/>
+              <a:t> ひらがな</a:t>
+            </a:r>
+            <a:endParaRPr lang="en-IN" dirty="0"/>
+          </a:p>
+        </p:txBody>
+      </p:sp>
+      <p:sp>
+        <p:nvSpPr>
+          <p:cNvPr id="8" name="TextBox 7">
+            <a:extLst>
+              <a:ext uri="{FF2B5EF4-FFF2-40B4-BE49-F238E27FC236}">
+                <a16:creationId xmlns:a16="http://schemas.microsoft.com/office/drawing/2014/main" id="{D3FD57AA-3774-4533-BA7E-19079E35F6F1}"/>
+              </a:ext>
+            </a:extLst>
+          </p:cNvPr>
+          <p:cNvSpPr txBox="1"/>
+          <p:nvPr/>
+        </p:nvSpPr>
+        <p:spPr>
+          <a:xfrm>
+            <a:off x="5991727" y="0"/>
+            <a:ext cx="6229149" cy="369332"/>
+          </a:xfrm>
+          <a:prstGeom prst="rect">
+            <a:avLst/>
+          </a:prstGeom>
+          <a:solidFill>
+            <a:schemeClr val="accent5">
+              <a:lumMod val="20000"/>
+              <a:lumOff val="80000"/>
+            </a:schemeClr>
+          </a:solidFill>
+          <a:ln w="3175">
+            <a:solidFill>
+              <a:schemeClr val="accent6">
+                <a:lumMod val="20000"/>
+                <a:lumOff val="80000"/>
+              </a:schemeClr>
+            </a:solidFill>
+            <a:prstDash val="sysDot"/>
+          </a:ln>
+        </p:spPr>
+        <p:txBody>
+          <a:bodyPr wrap="square" rtlCol="0">
+            <a:spAutoFit/>
+          </a:bodyPr>
+          <a:lstStyle/>
+          <a:p>
+            <a:pPr algn="ctr"/>
+            <a:r>
+              <a:rPr lang="en-IN" dirty="0"/>
+              <a:t>Katakana|</a:t>
+            </a:r>
+            <a:r>
+              <a:rPr lang="ja-JP" altLang="en-US" sz="1800" b="1" dirty="0"/>
+              <a:t> カタカナ</a:t>
+            </a:r>
+            <a:endParaRPr lang="en-IN" dirty="0"/>
+          </a:p>
+        </p:txBody>
+      </p:sp>
+      <p:sp>
+        <p:nvSpPr>
           <p:cNvPr id="2" name="TextBox 1"/>
           <p:cNvSpPr txBox="1"/>
           <p:nvPr/>
@@ -9545,7 +11838,7 @@
         </p:nvSpPr>
         <p:spPr>
           <a:xfrm>
-            <a:off x="784459" y="109087"/>
+            <a:off x="640080" y="457200"/>
             <a:ext cx="5029200" cy="457200"/>
           </a:xfrm>
           <a:prstGeom prst="rect">
@@ -9561,7 +11854,7 @@
           <a:p>
             <a:pPr algn="ctr"/>
             <a:r>
-              <a:rPr sz="3800" b="1" dirty="0"/>
+              <a:rPr sz="3800" b="1"/>
               <a:t>Katakana Dakuten/Handakuten</a:t>
             </a:r>
           </a:p>
@@ -9573,17 +11866,11 @@
           <p:cNvGraphicFramePr>
             <a:graphicFrameLocks noGrp="1"/>
           </p:cNvGraphicFramePr>
-          <p:nvPr>
-            <p:extLst>
-              <p:ext uri="{D42A27DB-BD31-4B8C-83A1-F6EECF244321}">
-                <p14:modId xmlns:p14="http://schemas.microsoft.com/office/powerpoint/2010/main" val="1117529017"/>
-              </p:ext>
-            </p:extLst>
-          </p:nvPr>
+          <p:nvPr/>
         </p:nvGraphicFramePr>
         <p:xfrm>
-          <a:off x="413885" y="914399"/>
-          <a:ext cx="11232685" cy="5334000"/>
+          <a:off x="640080" y="1097280"/>
+          <a:ext cx="5029200" cy="6400800"/>
         </p:xfrm>
         <a:graphic>
           <a:graphicData uri="http://schemas.openxmlformats.org/drawingml/2006/table">
@@ -9592,35 +11879,35 @@
                 <a:tableStyleId>{5C22544A-7EE6-4342-B048-85BDC9FD1C3A}</a:tableStyleId>
               </a:tblPr>
               <a:tblGrid>
-                <a:gridCol w="2246537">
+                <a:gridCol w="1005840">
                   <a:extLst>
                     <a:ext uri="{9D8B030D-6E8A-4147-A177-3AD203B41FA5}">
                       <a16:colId xmlns:a16="http://schemas.microsoft.com/office/drawing/2014/main" val="20000"/>
                     </a:ext>
                   </a:extLst>
                 </a:gridCol>
-                <a:gridCol w="2246537">
+                <a:gridCol w="1005840">
                   <a:extLst>
                     <a:ext uri="{9D8B030D-6E8A-4147-A177-3AD203B41FA5}">
                       <a16:colId xmlns:a16="http://schemas.microsoft.com/office/drawing/2014/main" val="20001"/>
                     </a:ext>
                   </a:extLst>
                 </a:gridCol>
-                <a:gridCol w="2246537">
+                <a:gridCol w="1005840">
                   <a:extLst>
                     <a:ext uri="{9D8B030D-6E8A-4147-A177-3AD203B41FA5}">
                       <a16:colId xmlns:a16="http://schemas.microsoft.com/office/drawing/2014/main" val="20002"/>
                     </a:ext>
                   </a:extLst>
                 </a:gridCol>
-                <a:gridCol w="2246537">
+                <a:gridCol w="1005840">
                   <a:extLst>
                     <a:ext uri="{9D8B030D-6E8A-4147-A177-3AD203B41FA5}">
                       <a16:colId xmlns:a16="http://schemas.microsoft.com/office/drawing/2014/main" val="20003"/>
                     </a:ext>
                   </a:extLst>
                 </a:gridCol>
-                <a:gridCol w="2246537">
+                <a:gridCol w="1005840">
                   <a:extLst>
                     <a:ext uri="{9D8B030D-6E8A-4147-A177-3AD203B41FA5}">
                       <a16:colId xmlns:a16="http://schemas.microsoft.com/office/drawing/2014/main" val="20004"/>
@@ -9682,26 +11969,21 @@
                     <a:bodyPr/>
                     <a:lstStyle/>
                     <a:p>
-                      <a:endParaRPr dirty="0"/>
-                    </a:p>
-                    <a:p>
-                      <a:pPr algn="ctr"/>
-                      <a:r>
-                        <a:rPr sz="3200" b="1" dirty="0"/>
+                      <a:endParaRPr/>
+                    </a:p>
+                    <a:p>
+                      <a:pPr algn="ctr"/>
+                      <a:r>
+                        <a:rPr sz="3200" b="1"/>
                         <a:t>グ</a:t>
                       </a:r>
                     </a:p>
                     <a:p>
                       <a:pPr algn="ctr"/>
                       <a:r>
-                        <a:rPr sz="1400" b="0" dirty="0"/>
-                        <a:t>Gu  |  </a:t>
-                      </a:r>
-                      <a:r>
-                        <a:rPr sz="1400" b="0" dirty="0" err="1"/>
-                        <a:t>கு</a:t>
-                      </a:r>
-                      <a:endParaRPr sz="1400" b="0" dirty="0"/>
+                        <a:rPr sz="1400" b="0"/>
+                        <a:t>Gu  |  கு</a:t>
+                      </a:r>
                     </a:p>
                   </a:txBody>
                   <a:tcPr/>
@@ -9711,26 +11993,21 @@
                     <a:bodyPr/>
                     <a:lstStyle/>
                     <a:p>
-                      <a:endParaRPr dirty="0"/>
-                    </a:p>
-                    <a:p>
-                      <a:pPr algn="ctr"/>
-                      <a:r>
-                        <a:rPr sz="3200" b="1" dirty="0"/>
+                      <a:endParaRPr/>
+                    </a:p>
+                    <a:p>
+                      <a:pPr algn="ctr"/>
+                      <a:r>
+                        <a:rPr sz="3200" b="1"/>
                         <a:t>ゲ</a:t>
                       </a:r>
                     </a:p>
                     <a:p>
                       <a:pPr algn="ctr"/>
                       <a:r>
-                        <a:rPr sz="1400" b="0" dirty="0"/>
-                        <a:t>Ge  |  </a:t>
-                      </a:r>
-                      <a:r>
-                        <a:rPr sz="1400" b="0" dirty="0" err="1"/>
-                        <a:t>கே</a:t>
-                      </a:r>
-                      <a:endParaRPr sz="1400" b="0" dirty="0"/>
+                        <a:rPr sz="1400" b="0"/>
+                        <a:t>Ge  |  கே</a:t>
+                      </a:r>
                     </a:p>
                   </a:txBody>
                   <a:tcPr/>
@@ -9856,7 +12133,7 @@
                       <a:pPr algn="ctr"/>
                       <a:r>
                         <a:rPr sz="1400" b="0"/>
-                        <a:t>Ze  |  சே</a:t>
+                        <a:t>Ze  |  செ</a:t>
                       </a:r>
                     </a:p>
                   </a:txBody>
@@ -10248,26 +12525,21 @@
                     <a:bodyPr/>
                     <a:lstStyle/>
                     <a:p>
-                      <a:endParaRPr dirty="0"/>
-                    </a:p>
-                    <a:p>
-                      <a:pPr algn="ctr"/>
-                      <a:r>
-                        <a:rPr sz="3200" b="1" dirty="0"/>
+                      <a:endParaRPr/>
+                    </a:p>
+                    <a:p>
+                      <a:pPr algn="ctr"/>
+                      <a:r>
+                        <a:rPr sz="3200" b="1"/>
                         <a:t>ポ</a:t>
                       </a:r>
                     </a:p>
                     <a:p>
                       <a:pPr algn="ctr"/>
                       <a:r>
-                        <a:rPr sz="1400" b="0" dirty="0"/>
-                        <a:t>Po  |  </a:t>
-                      </a:r>
-                      <a:r>
-                        <a:rPr sz="1400" b="0" dirty="0" err="1"/>
-                        <a:t>பொ</a:t>
-                      </a:r>
-                      <a:endParaRPr sz="1400" b="0" dirty="0"/>
+                        <a:rPr sz="1400" b="0"/>
+                        <a:t>Po  |  பொ</a:t>
+                      </a:r>
                     </a:p>
                   </a:txBody>
                   <a:tcPr/>
@@ -13539,7 +15811,7 @@
                   <a:srgbClr val="000000"/>
                 </a:solidFill>
               </a:rPr>
-              <a:t>Ze | சே</a:t>
+              <a:t>Ze | செ</a:t>
             </a:r>
           </a:p>
         </p:txBody>
